--- a/figs/makeFig.pptx
+++ b/figs/makeFig.pptx
@@ -10,6 +10,9 @@
     <p:sldId id="258" r:id="rId4"/>
     <p:sldId id="260" r:id="rId5"/>
     <p:sldId id="259" r:id="rId6"/>
+    <p:sldId id="261" r:id="rId7"/>
+    <p:sldId id="262" r:id="rId8"/>
+    <p:sldId id="263" r:id="rId9"/>
   </p:sldIdLst>
   <p:sldSz cx="10080625" cy="7559675"/>
   <p:notesSz cx="7559675" cy="10691813"/>
@@ -10264,7 +10267,7 @@
                     <a:lstStyle/>
                     <a:p>
                       <a:r>
-                        <a:rPr kumimoji="1" lang="en-US" altLang="ja-JP" sz="4400" dirty="0" err="1" smtClean="0"/>
+                        <a:rPr kumimoji="1" lang="en-US" altLang="ja-JP" sz="4400" dirty="0" err="1"/>
                         <a:t>Fn</a:t>
                       </a:r>
                       <a:endParaRPr kumimoji="1" lang="ja-JP" altLang="en-US" sz="4400" dirty="0"/>
@@ -12174,7 +12177,7 @@
                     <a:lstStyle/>
                     <a:p>
                       <a:r>
-                        <a:rPr kumimoji="1" lang="en-US" altLang="ja-JP" sz="2400" dirty="0" err="1" smtClean="0"/>
+                        <a:rPr kumimoji="1" lang="en-US" altLang="ja-JP" sz="2400" dirty="0" err="1"/>
                         <a:t>AoA</a:t>
                       </a:r>
                       <a:endParaRPr kumimoji="1" lang="ja-JP" altLang="en-US" sz="2400" dirty="0"/>
@@ -12205,7 +12208,7 @@
                   <a:lstStyle/>
                   <a:p>
                     <a:r>
-                      <a:rPr kumimoji="1" lang="en-US" altLang="ja-JP" sz="2400" dirty="0" smtClean="0"/>
+                      <a:rPr kumimoji="1" lang="en-US" altLang="ja-JP" sz="2400" dirty="0"/>
                       <a:t>MN</a:t>
                     </a:r>
                     <a:endParaRPr kumimoji="1" lang="ja-JP" altLang="en-US" sz="2400" dirty="0"/>
@@ -12280,7 +12283,7 @@
               <a:lstStyle/>
               <a:p>
                 <a:r>
-                  <a:rPr kumimoji="1" lang="en-US" altLang="ja-JP" sz="2400" dirty="0" smtClean="0"/>
+                  <a:rPr kumimoji="1" lang="en-US" altLang="ja-JP" sz="2400" dirty="0"/>
                   <a:t>Alt</a:t>
                 </a:r>
                 <a:endParaRPr kumimoji="1" lang="ja-JP" altLang="en-US" sz="2400" dirty="0"/>
@@ -14088,18 +14091,18 @@
           <a:lstStyle/>
           <a:p>
             <a:r>
-              <a:rPr lang="en-US" sz="3600" spc="-1" dirty="0" err="1" smtClean="0">
+              <a:rPr lang="en-US" sz="3600" spc="-1" dirty="0" err="1">
                 <a:latin typeface="Arial"/>
               </a:rPr>
               <a:t>pS</a:t>
             </a:r>
             <a:r>
-              <a:rPr lang="en-US" sz="3600" b="0" strike="noStrike" spc="-1" dirty="0" err="1" smtClean="0">
+              <a:rPr lang="en-US" sz="3600" b="0" strike="noStrike" spc="-1" dirty="0" err="1">
                 <a:latin typeface="Arial"/>
               </a:rPr>
               <a:t>td</a:t>
             </a:r>
-            <a:endParaRPr lang="en-US" sz="3600" b="0" strike="noStrike" spc="-1" dirty="0" smtClean="0">
+            <a:endParaRPr lang="en-US" sz="3600" b="0" strike="noStrike" spc="-1" dirty="0">
               <a:latin typeface="Arial"/>
             </a:endParaRPr>
           </a:p>
@@ -14110,12 +14113,12 @@
           </a:p>
           <a:p>
             <a:r>
-              <a:rPr lang="en-US" sz="3600" b="0" strike="noStrike" spc="-1" dirty="0" err="1" smtClean="0">
+              <a:rPr lang="en-US" sz="3600" b="0" strike="noStrike" spc="-1" dirty="0" err="1">
                 <a:latin typeface="Arial"/>
               </a:rPr>
               <a:t>Tstd</a:t>
             </a:r>
-            <a:endParaRPr lang="en-US" sz="3600" b="0" strike="noStrike" spc="-1" dirty="0" smtClean="0">
+            <a:endParaRPr lang="en-US" sz="3600" b="0" strike="noStrike" spc="-1" dirty="0">
               <a:latin typeface="Arial"/>
             </a:endParaRPr>
           </a:p>
@@ -14126,14 +14129,11 @@
           </a:p>
           <a:p>
             <a:r>
-              <a:rPr lang="en-US" sz="3600" b="0" strike="noStrike" spc="-1" dirty="0" smtClean="0">
+              <a:rPr lang="en-US" sz="3600" b="0" strike="noStrike" spc="-1" dirty="0">
                 <a:latin typeface="Arial"/>
               </a:rPr>
               <a:t>g</a:t>
             </a:r>
-            <a:endParaRPr lang="en-US" sz="3600" b="0" strike="noStrike" spc="-1" dirty="0">
-              <a:latin typeface="Arial"/>
-            </a:endParaRPr>
           </a:p>
         </p:txBody>
       </p:sp>
@@ -14167,48 +14167,862 @@
           <a:chExt cx="0" cy="0"/>
         </a:xfrm>
       </p:grpSpPr>
+    </p:spTree>
+    <p:extLst>
+      <p:ext uri="{BB962C8B-B14F-4D97-AF65-F5344CB8AC3E}">
+        <p14:creationId xmlns:p14="http://schemas.microsoft.com/office/powerpoint/2010/main" val="2099587145"/>
+      </p:ext>
+    </p:extLst>
+  </p:cSld>
+  <p:clrMapOvr>
+    <a:masterClrMapping/>
+  </p:clrMapOvr>
+</p:sld>
+</file>
+
+<file path=ppt/slides/slide6.xml><?xml version="1.0" encoding="utf-8"?>
+<p:sld xmlns:a="http://schemas.openxmlformats.org/drawingml/2006/main" xmlns:r="http://schemas.openxmlformats.org/officeDocument/2006/relationships" xmlns:p="http://schemas.openxmlformats.org/presentationml/2006/main">
+  <p:cSld>
+    <p:spTree>
+      <p:nvGrpSpPr>
+        <p:cNvPr id="1" name=""/>
+        <p:cNvGrpSpPr/>
+        <p:nvPr/>
+      </p:nvGrpSpPr>
+      <p:grpSpPr>
+        <a:xfrm>
+          <a:off x="0" y="0"/>
+          <a:ext cx="0" cy="0"/>
+          <a:chOff x="0" y="0"/>
+          <a:chExt cx="0" cy="0"/>
+        </a:xfrm>
+      </p:grpSpPr>
+      <p:pic>
+        <p:nvPicPr>
+          <p:cNvPr id="4" name="図 3">
+            <a:extLst>
+              <a:ext uri="{FF2B5EF4-FFF2-40B4-BE49-F238E27FC236}">
+                <a16:creationId xmlns:a16="http://schemas.microsoft.com/office/drawing/2014/main" id="{26E77F41-ECB0-44B6-8B24-05162ACDECC9}"/>
+              </a:ext>
+            </a:extLst>
+          </p:cNvPr>
+          <p:cNvPicPr>
+            <a:picLocks noChangeAspect="1"/>
+          </p:cNvPicPr>
+          <p:nvPr/>
+        </p:nvPicPr>
+        <p:blipFill>
+          <a:blip r:embed="rId2"/>
+          <a:stretch>
+            <a:fillRect/>
+          </a:stretch>
+        </p:blipFill>
+        <p:spPr>
+          <a:xfrm>
+            <a:off x="458209" y="159434"/>
+            <a:ext cx="9164205" cy="6682002"/>
+          </a:xfrm>
+          <a:prstGeom prst="rect">
+            <a:avLst/>
+          </a:prstGeom>
+        </p:spPr>
+      </p:pic>
       <p:sp>
         <p:nvSpPr>
-          <p:cNvPr id="2" name="Title 1"/>
-          <p:cNvSpPr>
-            <a:spLocks noGrp="1"/>
-          </p:cNvSpPr>
-          <p:nvPr>
-            <p:ph type="title"/>
-          </p:nvPr>
+          <p:cNvPr id="5" name="テキスト ボックス 4">
+            <a:extLst>
+              <a:ext uri="{FF2B5EF4-FFF2-40B4-BE49-F238E27FC236}">
+                <a16:creationId xmlns:a16="http://schemas.microsoft.com/office/drawing/2014/main" id="{CD465EB0-4D24-4C64-977D-0B03E8ADDED3}"/>
+              </a:ext>
+            </a:extLst>
+          </p:cNvPr>
+          <p:cNvSpPr txBox="1"/>
+          <p:nvPr/>
         </p:nvSpPr>
-        <p:spPr/>
+        <p:spPr>
+          <a:xfrm>
+            <a:off x="974934" y="4559936"/>
+            <a:ext cx="1353185" cy="375072"/>
+          </a:xfrm>
+          <a:prstGeom prst="rect">
+            <a:avLst/>
+          </a:prstGeom>
+          <a:solidFill>
+            <a:srgbClr val="92D050">
+              <a:alpha val="40000"/>
+            </a:srgbClr>
+          </a:solidFill>
+          <a:ln>
+            <a:solidFill>
+              <a:schemeClr val="tx1"/>
+            </a:solidFill>
+          </a:ln>
+        </p:spPr>
         <p:txBody>
-          <a:bodyPr/>
+          <a:bodyPr wrap="square" rtlCol="0">
+            <a:noAutofit/>
+          </a:bodyPr>
           <a:lstStyle/>
           <a:p>
+            <a:r>
+              <a:rPr lang="en-US" sz="800" dirty="0">
+                <a:latin typeface="Arial" panose="020B0604020202020204" pitchFamily="34" charset="0"/>
+                <a:cs typeface="Arial" panose="020B0604020202020204" pitchFamily="34" charset="0"/>
+              </a:rPr>
+              <a:t>Increase pressure ratio of compressor gradually.</a:t>
+            </a:r>
+          </a:p>
+        </p:txBody>
+      </p:sp>
+      <p:cxnSp>
+        <p:nvCxnSpPr>
+          <p:cNvPr id="6" name="直線矢印コネクタ 5">
+            <a:extLst>
+              <a:ext uri="{FF2B5EF4-FFF2-40B4-BE49-F238E27FC236}">
+                <a16:creationId xmlns:a16="http://schemas.microsoft.com/office/drawing/2014/main" id="{EC560462-8386-40BF-B850-C20883244AC6}"/>
+              </a:ext>
+            </a:extLst>
+          </p:cNvPr>
+          <p:cNvCxnSpPr>
+            <a:cxnSpLocks/>
+            <a:stCxn id="5" idx="3"/>
+          </p:cNvCxnSpPr>
+          <p:nvPr/>
+        </p:nvCxnSpPr>
+        <p:spPr>
+          <a:xfrm flipV="1">
+            <a:off x="2328119" y="3968330"/>
+            <a:ext cx="1388745" cy="779142"/>
+          </a:xfrm>
+          <a:prstGeom prst="straightConnector1">
+            <a:avLst/>
+          </a:prstGeom>
+          <a:ln w="12700">
+            <a:solidFill>
+              <a:schemeClr val="tx1"/>
+            </a:solidFill>
+            <a:tailEnd type="oval"/>
+          </a:ln>
+        </p:spPr>
+        <p:style>
+          <a:lnRef idx="1">
+            <a:schemeClr val="accent1"/>
+          </a:lnRef>
+          <a:fillRef idx="0">
+            <a:schemeClr val="accent1"/>
+          </a:fillRef>
+          <a:effectRef idx="0">
+            <a:schemeClr val="accent1"/>
+          </a:effectRef>
+          <a:fontRef idx="minor">
+            <a:schemeClr val="tx1"/>
+          </a:fontRef>
+        </p:style>
+      </p:cxnSp>
+      <p:sp>
+        <p:nvSpPr>
+          <p:cNvPr id="9" name="テキスト ボックス 8">
+            <a:extLst>
+              <a:ext uri="{FF2B5EF4-FFF2-40B4-BE49-F238E27FC236}">
+                <a16:creationId xmlns:a16="http://schemas.microsoft.com/office/drawing/2014/main" id="{5645219A-E853-4387-9CD5-0358D8053DE4}"/>
+              </a:ext>
+            </a:extLst>
+          </p:cNvPr>
+          <p:cNvSpPr txBox="1"/>
+          <p:nvPr/>
+        </p:nvSpPr>
+        <p:spPr>
+          <a:xfrm>
+            <a:off x="8467934" y="4764194"/>
+            <a:ext cx="1353185" cy="375072"/>
+          </a:xfrm>
+          <a:prstGeom prst="rect">
+            <a:avLst/>
+          </a:prstGeom>
+          <a:solidFill>
+            <a:srgbClr val="92D050">
+              <a:alpha val="40000"/>
+            </a:srgbClr>
+          </a:solidFill>
+          <a:ln>
+            <a:solidFill>
+              <a:schemeClr val="tx1"/>
+            </a:solidFill>
+          </a:ln>
+        </p:spPr>
+        <p:txBody>
+          <a:bodyPr wrap="square" rtlCol="0">
+            <a:noAutofit/>
+          </a:bodyPr>
+          <a:lstStyle/>
+          <a:p>
+            <a:r>
+              <a:rPr lang="en-US" sz="800" dirty="0">
+                <a:latin typeface="Arial" panose="020B0604020202020204" pitchFamily="34" charset="0"/>
+                <a:cs typeface="Arial" panose="020B0604020202020204" pitchFamily="34" charset="0"/>
+              </a:rPr>
+              <a:t>Set drive power  the “as calculated” variable.</a:t>
+            </a:r>
+          </a:p>
+        </p:txBody>
+      </p:sp>
+      <p:cxnSp>
+        <p:nvCxnSpPr>
+          <p:cNvPr id="10" name="直線矢印コネクタ 9">
+            <a:extLst>
+              <a:ext uri="{FF2B5EF4-FFF2-40B4-BE49-F238E27FC236}">
+                <a16:creationId xmlns:a16="http://schemas.microsoft.com/office/drawing/2014/main" id="{2F3BDE36-D8D1-4665-BEF9-2B26F9842A1A}"/>
+              </a:ext>
+            </a:extLst>
+          </p:cNvPr>
+          <p:cNvCxnSpPr>
+            <a:cxnSpLocks/>
+            <a:stCxn id="9" idx="0"/>
+          </p:cNvCxnSpPr>
+          <p:nvPr/>
+        </p:nvCxnSpPr>
+        <p:spPr>
+          <a:xfrm flipV="1">
+            <a:off x="9144527" y="3968328"/>
+            <a:ext cx="109540" cy="795866"/>
+          </a:xfrm>
+          <a:prstGeom prst="straightConnector1">
+            <a:avLst/>
+          </a:prstGeom>
+          <a:ln w="12700">
+            <a:solidFill>
+              <a:schemeClr val="tx1"/>
+            </a:solidFill>
+            <a:tailEnd type="oval"/>
+          </a:ln>
+        </p:spPr>
+        <p:style>
+          <a:lnRef idx="1">
+            <a:schemeClr val="accent1"/>
+          </a:lnRef>
+          <a:fillRef idx="0">
+            <a:schemeClr val="accent1"/>
+          </a:fillRef>
+          <a:effectRef idx="0">
+            <a:schemeClr val="accent1"/>
+          </a:effectRef>
+          <a:fontRef idx="minor">
+            <a:schemeClr val="tx1"/>
+          </a:fontRef>
+        </p:style>
+      </p:cxnSp>
+      <p:sp>
+        <p:nvSpPr>
+          <p:cNvPr id="13" name="テキスト ボックス 12">
+            <a:extLst>
+              <a:ext uri="{FF2B5EF4-FFF2-40B4-BE49-F238E27FC236}">
+                <a16:creationId xmlns:a16="http://schemas.microsoft.com/office/drawing/2014/main" id="{3700C740-92B8-4556-B272-FA41B3CFFEC6}"/>
+              </a:ext>
+            </a:extLst>
+          </p:cNvPr>
+          <p:cNvSpPr txBox="1"/>
+          <p:nvPr/>
+        </p:nvSpPr>
+        <p:spPr>
+          <a:xfrm>
+            <a:off x="1452821" y="3673470"/>
+            <a:ext cx="1353185" cy="294857"/>
+          </a:xfrm>
+          <a:prstGeom prst="rect">
+            <a:avLst/>
+          </a:prstGeom>
+          <a:solidFill>
+            <a:srgbClr val="92D050">
+              <a:alpha val="40000"/>
+            </a:srgbClr>
+          </a:solidFill>
+          <a:ln>
+            <a:solidFill>
+              <a:schemeClr val="tx1"/>
+            </a:solidFill>
+          </a:ln>
+        </p:spPr>
+        <p:txBody>
+          <a:bodyPr wrap="square" rtlCol="0">
+            <a:noAutofit/>
+          </a:bodyPr>
+          <a:lstStyle/>
+          <a:p>
+            <a:r>
+              <a:rPr lang="en-US" sz="800" dirty="0">
+                <a:latin typeface="Arial" panose="020B0604020202020204" pitchFamily="34" charset="0"/>
+                <a:cs typeface="Arial" panose="020B0604020202020204" pitchFamily="34" charset="0"/>
+              </a:rPr>
+              <a:t>Compress outside air.</a:t>
+            </a:r>
+          </a:p>
+        </p:txBody>
+      </p:sp>
+      <p:cxnSp>
+        <p:nvCxnSpPr>
+          <p:cNvPr id="16" name="直線矢印コネクタ 15">
+            <a:extLst>
+              <a:ext uri="{FF2B5EF4-FFF2-40B4-BE49-F238E27FC236}">
+                <a16:creationId xmlns:a16="http://schemas.microsoft.com/office/drawing/2014/main" id="{7140E970-A5D9-4AC7-B134-33496F0D3F16}"/>
+              </a:ext>
+            </a:extLst>
+          </p:cNvPr>
+          <p:cNvCxnSpPr>
+            <a:cxnSpLocks/>
+            <a:stCxn id="13" idx="3"/>
+          </p:cNvCxnSpPr>
+          <p:nvPr/>
+        </p:nvCxnSpPr>
+        <p:spPr>
+          <a:xfrm flipV="1">
+            <a:off x="2806006" y="3500435"/>
+            <a:ext cx="377461" cy="320464"/>
+          </a:xfrm>
+          <a:prstGeom prst="straightConnector1">
+            <a:avLst/>
+          </a:prstGeom>
+          <a:ln w="12700">
+            <a:solidFill>
+              <a:schemeClr val="tx1"/>
+            </a:solidFill>
+            <a:tailEnd type="oval"/>
+          </a:ln>
+        </p:spPr>
+        <p:style>
+          <a:lnRef idx="1">
+            <a:schemeClr val="accent1"/>
+          </a:lnRef>
+          <a:fillRef idx="0">
+            <a:schemeClr val="accent1"/>
+          </a:fillRef>
+          <a:effectRef idx="0">
+            <a:schemeClr val="accent1"/>
+          </a:effectRef>
+          <a:fontRef idx="minor">
+            <a:schemeClr val="tx1"/>
+          </a:fontRef>
+        </p:style>
+      </p:cxnSp>
+      <p:sp>
+        <p:nvSpPr>
+          <p:cNvPr id="19" name="テキスト ボックス 18">
+            <a:extLst>
+              <a:ext uri="{FF2B5EF4-FFF2-40B4-BE49-F238E27FC236}">
+                <a16:creationId xmlns:a16="http://schemas.microsoft.com/office/drawing/2014/main" id="{E0739F35-70C6-41E7-94B2-409F97AB9954}"/>
+              </a:ext>
+            </a:extLst>
+          </p:cNvPr>
+          <p:cNvSpPr txBox="1"/>
+          <p:nvPr/>
+        </p:nvSpPr>
+        <p:spPr>
+          <a:xfrm>
+            <a:off x="5477933" y="896402"/>
+            <a:ext cx="1049867" cy="356664"/>
+          </a:xfrm>
+          <a:prstGeom prst="rect">
+            <a:avLst/>
+          </a:prstGeom>
+          <a:solidFill>
+            <a:srgbClr val="92D050">
+              <a:alpha val="40000"/>
+            </a:srgbClr>
+          </a:solidFill>
+          <a:ln>
+            <a:solidFill>
+              <a:schemeClr val="tx1"/>
+            </a:solidFill>
+          </a:ln>
+        </p:spPr>
+        <p:txBody>
+          <a:bodyPr wrap="square" rtlCol="0">
+            <a:noAutofit/>
+          </a:bodyPr>
+          <a:lstStyle/>
+          <a:p>
+            <a:r>
+              <a:rPr lang="en-US" sz="800" dirty="0">
+                <a:latin typeface="Arial" panose="020B0604020202020204" pitchFamily="34" charset="0"/>
+                <a:cs typeface="Arial" panose="020B0604020202020204" pitchFamily="34" charset="0"/>
+              </a:rPr>
+              <a:t>Release heat to outside air.</a:t>
+            </a:r>
+          </a:p>
+        </p:txBody>
+      </p:sp>
+      <p:cxnSp>
+        <p:nvCxnSpPr>
+          <p:cNvPr id="20" name="直線矢印コネクタ 19">
+            <a:extLst>
+              <a:ext uri="{FF2B5EF4-FFF2-40B4-BE49-F238E27FC236}">
+                <a16:creationId xmlns:a16="http://schemas.microsoft.com/office/drawing/2014/main" id="{9439FB43-60EE-45BD-88B1-0E5525792A12}"/>
+              </a:ext>
+            </a:extLst>
+          </p:cNvPr>
+          <p:cNvCxnSpPr>
+            <a:cxnSpLocks/>
+            <a:stCxn id="19" idx="2"/>
+          </p:cNvCxnSpPr>
+          <p:nvPr/>
+        </p:nvCxnSpPr>
+        <p:spPr>
+          <a:xfrm flipH="1">
+            <a:off x="5477933" y="1253066"/>
+            <a:ext cx="524934" cy="875454"/>
+          </a:xfrm>
+          <a:prstGeom prst="straightConnector1">
+            <a:avLst/>
+          </a:prstGeom>
+          <a:ln w="12700">
+            <a:solidFill>
+              <a:schemeClr val="tx1"/>
+            </a:solidFill>
+            <a:tailEnd type="oval"/>
+          </a:ln>
+        </p:spPr>
+        <p:style>
+          <a:lnRef idx="1">
+            <a:schemeClr val="accent1"/>
+          </a:lnRef>
+          <a:fillRef idx="0">
+            <a:schemeClr val="accent1"/>
+          </a:fillRef>
+          <a:effectRef idx="0">
+            <a:schemeClr val="accent1"/>
+          </a:effectRef>
+          <a:fontRef idx="minor">
+            <a:schemeClr val="tx1"/>
+          </a:fontRef>
+        </p:style>
+      </p:cxnSp>
+      <p:sp>
+        <p:nvSpPr>
+          <p:cNvPr id="26" name="テキスト ボックス 25">
+            <a:extLst>
+              <a:ext uri="{FF2B5EF4-FFF2-40B4-BE49-F238E27FC236}">
+                <a16:creationId xmlns:a16="http://schemas.microsoft.com/office/drawing/2014/main" id="{0126646F-A5FB-444F-A153-7E5B64145B3E}"/>
+              </a:ext>
+            </a:extLst>
+          </p:cNvPr>
+          <p:cNvSpPr txBox="1"/>
+          <p:nvPr/>
+        </p:nvSpPr>
+        <p:spPr>
+          <a:xfrm>
+            <a:off x="5909733" y="6196535"/>
+            <a:ext cx="1049867" cy="356664"/>
+          </a:xfrm>
+          <a:prstGeom prst="rect">
+            <a:avLst/>
+          </a:prstGeom>
+          <a:solidFill>
+            <a:srgbClr val="92D050">
+              <a:alpha val="40000"/>
+            </a:srgbClr>
+          </a:solidFill>
+          <a:ln>
+            <a:solidFill>
+              <a:schemeClr val="tx1"/>
+            </a:solidFill>
+          </a:ln>
+        </p:spPr>
+        <p:txBody>
+          <a:bodyPr wrap="square" rtlCol="0">
+            <a:noAutofit/>
+          </a:bodyPr>
+          <a:lstStyle/>
+          <a:p>
+            <a:r>
+              <a:rPr lang="en-US" sz="800" dirty="0">
+                <a:latin typeface="Arial" panose="020B0604020202020204" pitchFamily="34" charset="0"/>
+                <a:cs typeface="Arial" panose="020B0604020202020204" pitchFamily="34" charset="0"/>
+              </a:rPr>
+              <a:t>absorb heat from room air.</a:t>
+            </a:r>
+          </a:p>
+        </p:txBody>
+      </p:sp>
+      <p:cxnSp>
+        <p:nvCxnSpPr>
+          <p:cNvPr id="27" name="直線矢印コネクタ 26">
+            <a:extLst>
+              <a:ext uri="{FF2B5EF4-FFF2-40B4-BE49-F238E27FC236}">
+                <a16:creationId xmlns:a16="http://schemas.microsoft.com/office/drawing/2014/main" id="{930F66A2-D9AB-4BF7-8D70-FDBAFEA44CE7}"/>
+              </a:ext>
+            </a:extLst>
+          </p:cNvPr>
+          <p:cNvCxnSpPr>
+            <a:cxnSpLocks/>
+            <a:stCxn id="26" idx="0"/>
+          </p:cNvCxnSpPr>
+          <p:nvPr/>
+        </p:nvCxnSpPr>
+        <p:spPr>
+          <a:xfrm flipH="1" flipV="1">
+            <a:off x="6299200" y="5410200"/>
+            <a:ext cx="135467" cy="786335"/>
+          </a:xfrm>
+          <a:prstGeom prst="straightConnector1">
+            <a:avLst/>
+          </a:prstGeom>
+          <a:ln w="12700">
+            <a:solidFill>
+              <a:schemeClr val="tx1"/>
+            </a:solidFill>
+            <a:tailEnd type="oval"/>
+          </a:ln>
+        </p:spPr>
+        <p:style>
+          <a:lnRef idx="1">
+            <a:schemeClr val="accent1"/>
+          </a:lnRef>
+          <a:fillRef idx="0">
+            <a:schemeClr val="accent1"/>
+          </a:fillRef>
+          <a:effectRef idx="0">
+            <a:schemeClr val="accent1"/>
+          </a:effectRef>
+          <a:fontRef idx="minor">
+            <a:schemeClr val="tx1"/>
+          </a:fontRef>
+        </p:style>
+      </p:cxnSp>
+      <p:sp>
+        <p:nvSpPr>
+          <p:cNvPr id="31" name="テキスト ボックス 30">
+            <a:extLst>
+              <a:ext uri="{FF2B5EF4-FFF2-40B4-BE49-F238E27FC236}">
+                <a16:creationId xmlns:a16="http://schemas.microsoft.com/office/drawing/2014/main" id="{515A0CB4-0C95-432C-93A2-8CD7A41FAF2E}"/>
+              </a:ext>
+            </a:extLst>
+          </p:cNvPr>
+          <p:cNvSpPr txBox="1"/>
+          <p:nvPr/>
+        </p:nvSpPr>
+        <p:spPr>
+          <a:xfrm>
+            <a:off x="7569727" y="2158999"/>
+            <a:ext cx="1574800" cy="636481"/>
+          </a:xfrm>
+          <a:prstGeom prst="rect">
+            <a:avLst/>
+          </a:prstGeom>
+          <a:solidFill>
+            <a:srgbClr val="92D050">
+              <a:alpha val="40000"/>
+            </a:srgbClr>
+          </a:solidFill>
+          <a:ln>
+            <a:solidFill>
+              <a:schemeClr val="tx1"/>
+            </a:solidFill>
+          </a:ln>
+        </p:spPr>
+        <p:txBody>
+          <a:bodyPr wrap="square" rtlCol="0">
+            <a:noAutofit/>
+          </a:bodyPr>
+          <a:lstStyle/>
+          <a:p>
+            <a:r>
+              <a:rPr lang="en-US" sz="800" dirty="0">
+                <a:latin typeface="Arial" panose="020B0604020202020204" pitchFamily="34" charset="0"/>
+                <a:cs typeface="Arial" panose="020B0604020202020204" pitchFamily="34" charset="0"/>
+              </a:rPr>
+              <a:t>Expand cycle air to outside pressure. The work generated by expansion is used for driving compressor.</a:t>
+            </a:r>
+          </a:p>
+        </p:txBody>
+      </p:sp>
+      <p:cxnSp>
+        <p:nvCxnSpPr>
+          <p:cNvPr id="32" name="直線矢印コネクタ 31">
+            <a:extLst>
+              <a:ext uri="{FF2B5EF4-FFF2-40B4-BE49-F238E27FC236}">
+                <a16:creationId xmlns:a16="http://schemas.microsoft.com/office/drawing/2014/main" id="{61C8FADE-4D9C-462B-80E3-CF2164A8CFF0}"/>
+              </a:ext>
+            </a:extLst>
+          </p:cNvPr>
+          <p:cNvCxnSpPr>
+            <a:cxnSpLocks/>
+            <a:stCxn id="31" idx="1"/>
+          </p:cNvCxnSpPr>
+          <p:nvPr/>
+        </p:nvCxnSpPr>
+        <p:spPr>
+          <a:xfrm flipH="1">
+            <a:off x="7289800" y="2477240"/>
+            <a:ext cx="279927" cy="782427"/>
+          </a:xfrm>
+          <a:prstGeom prst="straightConnector1">
+            <a:avLst/>
+          </a:prstGeom>
+          <a:ln w="12700">
+            <a:solidFill>
+              <a:schemeClr val="tx1"/>
+            </a:solidFill>
+            <a:tailEnd type="oval"/>
+          </a:ln>
+        </p:spPr>
+        <p:style>
+          <a:lnRef idx="1">
+            <a:schemeClr val="accent1"/>
+          </a:lnRef>
+          <a:fillRef idx="0">
+            <a:schemeClr val="accent1"/>
+          </a:fillRef>
+          <a:effectRef idx="0">
+            <a:schemeClr val="accent1"/>
+          </a:effectRef>
+          <a:fontRef idx="minor">
+            <a:schemeClr val="tx1"/>
+          </a:fontRef>
+        </p:style>
+      </p:cxnSp>
+      <p:sp>
+        <p:nvSpPr>
+          <p:cNvPr id="43" name="矢印: 右 42">
+            <a:extLst>
+              <a:ext uri="{FF2B5EF4-FFF2-40B4-BE49-F238E27FC236}">
+                <a16:creationId xmlns:a16="http://schemas.microsoft.com/office/drawing/2014/main" id="{373E664F-DD79-46A4-A783-5668C7178BCA}"/>
+              </a:ext>
+            </a:extLst>
+          </p:cNvPr>
+          <p:cNvSpPr/>
+          <p:nvPr/>
+        </p:nvSpPr>
+        <p:spPr>
+          <a:xfrm rot="16200000">
+            <a:off x="5731163" y="4896667"/>
+            <a:ext cx="795867" cy="438727"/>
+          </a:xfrm>
+          <a:prstGeom prst="rightArrow">
+            <a:avLst>
+              <a:gd name="adj1" fmla="val 42105"/>
+              <a:gd name="adj2" fmla="val 53117"/>
+            </a:avLst>
+          </a:prstGeom>
+          <a:solidFill>
+            <a:srgbClr val="C0504D">
+              <a:alpha val="30196"/>
+            </a:srgbClr>
+          </a:solidFill>
+        </p:spPr>
+        <p:style>
+          <a:lnRef idx="2">
+            <a:schemeClr val="accent2">
+              <a:shade val="50000"/>
+            </a:schemeClr>
+          </a:lnRef>
+          <a:fillRef idx="1">
+            <a:schemeClr val="accent2"/>
+          </a:fillRef>
+          <a:effectRef idx="0">
+            <a:schemeClr val="accent2"/>
+          </a:effectRef>
+          <a:fontRef idx="minor">
+            <a:schemeClr val="lt1"/>
+          </a:fontRef>
+        </p:style>
+        <p:txBody>
+          <a:bodyPr rtlCol="0" anchor="ctr"/>
+          <a:lstStyle/>
+          <a:p>
+            <a:pPr algn="ctr"/>
             <a:endParaRPr kumimoji="1" lang="ja-JP" altLang="en-US"/>
           </a:p>
         </p:txBody>
       </p:sp>
       <p:sp>
         <p:nvSpPr>
-          <p:cNvPr id="3" name="Subtitle 2"/>
-          <p:cNvSpPr>
-            <a:spLocks noGrp="1"/>
-          </p:cNvSpPr>
-          <p:nvPr>
-            <p:ph type="subTitle"/>
-          </p:nvPr>
+          <p:cNvPr id="44" name="矢印: 右 43">
+            <a:extLst>
+              <a:ext uri="{FF2B5EF4-FFF2-40B4-BE49-F238E27FC236}">
+                <a16:creationId xmlns:a16="http://schemas.microsoft.com/office/drawing/2014/main" id="{8A4BC99D-AF54-468D-A731-C7131896F6F9}"/>
+              </a:ext>
+            </a:extLst>
+          </p:cNvPr>
+          <p:cNvSpPr/>
+          <p:nvPr/>
         </p:nvSpPr>
-        <p:spPr/>
+        <p:spPr>
+          <a:xfrm rot="16200000">
+            <a:off x="4792609" y="1951829"/>
+            <a:ext cx="782428" cy="410845"/>
+          </a:xfrm>
+          <a:prstGeom prst="rightArrow">
+            <a:avLst>
+              <a:gd name="adj1" fmla="val 42105"/>
+              <a:gd name="adj2" fmla="val 41004"/>
+            </a:avLst>
+          </a:prstGeom>
+          <a:solidFill>
+            <a:srgbClr val="C0504D">
+              <a:alpha val="30196"/>
+            </a:srgbClr>
+          </a:solidFill>
+        </p:spPr>
+        <p:style>
+          <a:lnRef idx="2">
+            <a:schemeClr val="accent2">
+              <a:shade val="50000"/>
+            </a:schemeClr>
+          </a:lnRef>
+          <a:fillRef idx="1">
+            <a:schemeClr val="accent2"/>
+          </a:fillRef>
+          <a:effectRef idx="0">
+            <a:schemeClr val="accent2"/>
+          </a:effectRef>
+          <a:fontRef idx="minor">
+            <a:schemeClr val="lt1"/>
+          </a:fontRef>
+        </p:style>
         <p:txBody>
-          <a:bodyPr/>
+          <a:bodyPr rtlCol="0" anchor="ctr"/>
           <a:lstStyle/>
           <a:p>
+            <a:pPr algn="ctr"/>
             <a:endParaRPr kumimoji="1" lang="ja-JP" altLang="en-US"/>
+          </a:p>
+        </p:txBody>
+      </p:sp>
+      <p:sp>
+        <p:nvSpPr>
+          <p:cNvPr id="46" name="テキスト ボックス 45">
+            <a:extLst>
+              <a:ext uri="{FF2B5EF4-FFF2-40B4-BE49-F238E27FC236}">
+                <a16:creationId xmlns:a16="http://schemas.microsoft.com/office/drawing/2014/main" id="{4D5A20D5-5414-4291-BF06-CAE83BAFA5B9}"/>
+              </a:ext>
+            </a:extLst>
+          </p:cNvPr>
+          <p:cNvSpPr txBox="1"/>
+          <p:nvPr/>
+        </p:nvSpPr>
+        <p:spPr>
+          <a:xfrm>
+            <a:off x="4880354" y="2519746"/>
+            <a:ext cx="606937" cy="324880"/>
+          </a:xfrm>
+          <a:prstGeom prst="rect">
+            <a:avLst/>
+          </a:prstGeom>
+          <a:noFill/>
+        </p:spPr>
+        <p:txBody>
+          <a:bodyPr wrap="square" rtlCol="0">
+            <a:spAutoFit/>
+          </a:bodyPr>
+          <a:lstStyle/>
+          <a:p>
+            <a:r>
+              <a:rPr kumimoji="1" lang="en-US" altLang="ja-JP" sz="1400" dirty="0"/>
+              <a:t>heat</a:t>
+            </a:r>
+            <a:endParaRPr kumimoji="1" lang="ja-JP" altLang="en-US" sz="1400" dirty="0"/>
+          </a:p>
+        </p:txBody>
+      </p:sp>
+      <p:sp>
+        <p:nvSpPr>
+          <p:cNvPr id="47" name="テキスト ボックス 46">
+            <a:extLst>
+              <a:ext uri="{FF2B5EF4-FFF2-40B4-BE49-F238E27FC236}">
+                <a16:creationId xmlns:a16="http://schemas.microsoft.com/office/drawing/2014/main" id="{A8184319-B710-4911-A7D5-9A24A6E64DDF}"/>
+              </a:ext>
+            </a:extLst>
+          </p:cNvPr>
+          <p:cNvSpPr txBox="1"/>
+          <p:nvPr/>
+        </p:nvSpPr>
+        <p:spPr>
+          <a:xfrm>
+            <a:off x="5832225" y="4446033"/>
+            <a:ext cx="606937" cy="324880"/>
+          </a:xfrm>
+          <a:prstGeom prst="rect">
+            <a:avLst/>
+          </a:prstGeom>
+          <a:noFill/>
+        </p:spPr>
+        <p:txBody>
+          <a:bodyPr wrap="square" rtlCol="0">
+            <a:spAutoFit/>
+          </a:bodyPr>
+          <a:lstStyle/>
+          <a:p>
+            <a:r>
+              <a:rPr kumimoji="1" lang="en-US" altLang="ja-JP" sz="1400" dirty="0"/>
+              <a:t>heat</a:t>
+            </a:r>
+            <a:endParaRPr kumimoji="1" lang="ja-JP" altLang="en-US" sz="1400" dirty="0"/>
           </a:p>
         </p:txBody>
       </p:sp>
     </p:spTree>
     <p:extLst>
       <p:ext uri="{BB962C8B-B14F-4D97-AF65-F5344CB8AC3E}">
-        <p14:creationId xmlns:p14="http://schemas.microsoft.com/office/powerpoint/2010/main" val="2099587145"/>
+        <p14:creationId xmlns:p14="http://schemas.microsoft.com/office/powerpoint/2010/main" val="672853103"/>
+      </p:ext>
+    </p:extLst>
+  </p:cSld>
+  <p:clrMapOvr>
+    <a:masterClrMapping/>
+  </p:clrMapOvr>
+</p:sld>
+</file>
+
+<file path=ppt/slides/slide7.xml><?xml version="1.0" encoding="utf-8"?>
+<p:sld xmlns:a="http://schemas.openxmlformats.org/drawingml/2006/main" xmlns:r="http://schemas.openxmlformats.org/officeDocument/2006/relationships" xmlns:p="http://schemas.openxmlformats.org/presentationml/2006/main">
+  <p:cSld>
+    <p:spTree>
+      <p:nvGrpSpPr>
+        <p:cNvPr id="1" name=""/>
+        <p:cNvGrpSpPr/>
+        <p:nvPr/>
+      </p:nvGrpSpPr>
+      <p:grpSpPr>
+        <a:xfrm>
+          <a:off x="0" y="0"/>
+          <a:ext cx="0" cy="0"/>
+          <a:chOff x="0" y="0"/>
+          <a:chExt cx="0" cy="0"/>
+        </a:xfrm>
+      </p:grpSpPr>
+    </p:spTree>
+    <p:extLst>
+      <p:ext uri="{BB962C8B-B14F-4D97-AF65-F5344CB8AC3E}">
+        <p14:creationId xmlns:p14="http://schemas.microsoft.com/office/powerpoint/2010/main" val="3639183924"/>
+      </p:ext>
+    </p:extLst>
+  </p:cSld>
+  <p:clrMapOvr>
+    <a:masterClrMapping/>
+  </p:clrMapOvr>
+</p:sld>
+</file>
+
+<file path=ppt/slides/slide8.xml><?xml version="1.0" encoding="utf-8"?>
+<p:sld xmlns:a="http://schemas.openxmlformats.org/drawingml/2006/main" xmlns:r="http://schemas.openxmlformats.org/officeDocument/2006/relationships" xmlns:p="http://schemas.openxmlformats.org/presentationml/2006/main">
+  <p:cSld>
+    <p:spTree>
+      <p:nvGrpSpPr>
+        <p:cNvPr id="1" name=""/>
+        <p:cNvGrpSpPr/>
+        <p:nvPr/>
+      </p:nvGrpSpPr>
+      <p:grpSpPr>
+        <a:xfrm>
+          <a:off x="0" y="0"/>
+          <a:ext cx="0" cy="0"/>
+          <a:chOff x="0" y="0"/>
+          <a:chExt cx="0" cy="0"/>
+        </a:xfrm>
+      </p:grpSpPr>
+    </p:spTree>
+    <p:extLst>
+      <p:ext uri="{BB962C8B-B14F-4D97-AF65-F5344CB8AC3E}">
+        <p14:creationId xmlns:p14="http://schemas.microsoft.com/office/powerpoint/2010/main" val="2245225497"/>
       </p:ext>
     </p:extLst>
   </p:cSld>

--- a/figs/makeFig.pptx
+++ b/figs/makeFig.pptx
@@ -13,6 +13,8 @@
     <p:sldId id="261" r:id="rId7"/>
     <p:sldId id="262" r:id="rId8"/>
     <p:sldId id="263" r:id="rId9"/>
+    <p:sldId id="264" r:id="rId10"/>
+    <p:sldId id="265" r:id="rId11"/>
   </p:sldIdLst>
   <p:sldSz cx="10080625" cy="7559675"/>
   <p:notesSz cx="7559675" cy="10691813"/>
@@ -2899,6 +2901,36 @@
       </p:par>
     </p:tnLst>
   </p:timing>
+</p:sld>
+</file>
+
+<file path=ppt/slides/slide10.xml><?xml version="1.0" encoding="utf-8"?>
+<p:sld xmlns:a="http://schemas.openxmlformats.org/drawingml/2006/main" xmlns:r="http://schemas.openxmlformats.org/officeDocument/2006/relationships" xmlns:p="http://schemas.openxmlformats.org/presentationml/2006/main">
+  <p:cSld>
+    <p:spTree>
+      <p:nvGrpSpPr>
+        <p:cNvPr id="1" name=""/>
+        <p:cNvGrpSpPr/>
+        <p:nvPr/>
+      </p:nvGrpSpPr>
+      <p:grpSpPr>
+        <a:xfrm>
+          <a:off x="0" y="0"/>
+          <a:ext cx="0" cy="0"/>
+          <a:chOff x="0" y="0"/>
+          <a:chExt cx="0" cy="0"/>
+        </a:xfrm>
+      </p:grpSpPr>
+    </p:spTree>
+    <p:extLst>
+      <p:ext uri="{BB962C8B-B14F-4D97-AF65-F5344CB8AC3E}">
+        <p14:creationId xmlns:p14="http://schemas.microsoft.com/office/powerpoint/2010/main" val="184733642"/>
+      </p:ext>
+    </p:extLst>
+  </p:cSld>
+  <p:clrMapOvr>
+    <a:masterClrMapping/>
+  </p:clrMapOvr>
 </p:sld>
 </file>
 
@@ -14989,6 +15021,36 @@
           <a:chExt cx="0" cy="0"/>
         </a:xfrm>
       </p:grpSpPr>
+      <p:pic>
+        <p:nvPicPr>
+          <p:cNvPr id="2" name="図 1">
+            <a:extLst>
+              <a:ext uri="{FF2B5EF4-FFF2-40B4-BE49-F238E27FC236}">
+                <a16:creationId xmlns:a16="http://schemas.microsoft.com/office/drawing/2014/main" id="{9C7F88B7-4652-4120-BCF1-3271005498FD}"/>
+              </a:ext>
+            </a:extLst>
+          </p:cNvPr>
+          <p:cNvPicPr>
+            <a:picLocks noChangeAspect="1"/>
+          </p:cNvPicPr>
+          <p:nvPr/>
+        </p:nvPicPr>
+        <p:blipFill>
+          <a:blip r:embed="rId2"/>
+          <a:stretch>
+            <a:fillRect/>
+          </a:stretch>
+        </p:blipFill>
+        <p:spPr>
+          <a:xfrm>
+            <a:off x="920421" y="792337"/>
+            <a:ext cx="4429776" cy="4230867"/>
+          </a:xfrm>
+          <a:prstGeom prst="rect">
+            <a:avLst/>
+          </a:prstGeom>
+        </p:spPr>
+      </p:pic>
     </p:spTree>
     <p:extLst>
       <p:ext uri="{BB962C8B-B14F-4D97-AF65-F5344CB8AC3E}">
@@ -15019,10 +15081,473 @@
           <a:chExt cx="0" cy="0"/>
         </a:xfrm>
       </p:grpSpPr>
+      <p:pic>
+        <p:nvPicPr>
+          <p:cNvPr id="4" name="図 3">
+            <a:extLst>
+              <a:ext uri="{FF2B5EF4-FFF2-40B4-BE49-F238E27FC236}">
+                <a16:creationId xmlns:a16="http://schemas.microsoft.com/office/drawing/2014/main" id="{11C81319-5A40-4187-9C81-51F70AB6669D}"/>
+              </a:ext>
+            </a:extLst>
+          </p:cNvPr>
+          <p:cNvPicPr>
+            <a:picLocks noChangeAspect="1"/>
+          </p:cNvPicPr>
+          <p:nvPr/>
+        </p:nvPicPr>
+        <p:blipFill>
+          <a:blip r:embed="rId2"/>
+          <a:stretch>
+            <a:fillRect/>
+          </a:stretch>
+        </p:blipFill>
+        <p:spPr>
+          <a:xfrm>
+            <a:off x="1510608" y="325803"/>
+            <a:ext cx="6720745" cy="6247665"/>
+          </a:xfrm>
+          <a:prstGeom prst="rect">
+            <a:avLst/>
+          </a:prstGeom>
+        </p:spPr>
+      </p:pic>
     </p:spTree>
     <p:extLst>
       <p:ext uri="{BB962C8B-B14F-4D97-AF65-F5344CB8AC3E}">
         <p14:creationId xmlns:p14="http://schemas.microsoft.com/office/powerpoint/2010/main" val="2245225497"/>
+      </p:ext>
+    </p:extLst>
+  </p:cSld>
+  <p:clrMapOvr>
+    <a:masterClrMapping/>
+  </p:clrMapOvr>
+</p:sld>
+</file>
+
+<file path=ppt/slides/slide9.xml><?xml version="1.0" encoding="utf-8"?>
+<p:sld xmlns:a="http://schemas.openxmlformats.org/drawingml/2006/main" xmlns:r="http://schemas.openxmlformats.org/officeDocument/2006/relationships" xmlns:p="http://schemas.openxmlformats.org/presentationml/2006/main">
+  <p:cSld>
+    <p:spTree>
+      <p:nvGrpSpPr>
+        <p:cNvPr id="1" name=""/>
+        <p:cNvGrpSpPr/>
+        <p:nvPr/>
+      </p:nvGrpSpPr>
+      <p:grpSpPr>
+        <a:xfrm>
+          <a:off x="0" y="0"/>
+          <a:ext cx="0" cy="0"/>
+          <a:chOff x="0" y="0"/>
+          <a:chExt cx="0" cy="0"/>
+        </a:xfrm>
+      </p:grpSpPr>
+      <p:pic>
+        <p:nvPicPr>
+          <p:cNvPr id="2" name="図 1">
+            <a:extLst>
+              <a:ext uri="{FF2B5EF4-FFF2-40B4-BE49-F238E27FC236}">
+                <a16:creationId xmlns:a16="http://schemas.microsoft.com/office/drawing/2014/main" id="{97908AF0-4C53-46A0-9489-757C3CD2235F}"/>
+              </a:ext>
+            </a:extLst>
+          </p:cNvPr>
+          <p:cNvPicPr>
+            <a:picLocks noChangeAspect="1"/>
+          </p:cNvPicPr>
+          <p:nvPr/>
+        </p:nvPicPr>
+        <p:blipFill>
+          <a:blip r:embed="rId2"/>
+          <a:stretch>
+            <a:fillRect/>
+          </a:stretch>
+        </p:blipFill>
+        <p:spPr>
+          <a:xfrm>
+            <a:off x="2493865" y="1368193"/>
+            <a:ext cx="4872754" cy="4653954"/>
+          </a:xfrm>
+          <a:prstGeom prst="rect">
+            <a:avLst/>
+          </a:prstGeom>
+        </p:spPr>
+      </p:pic>
+      <p:sp>
+        <p:nvSpPr>
+          <p:cNvPr id="3" name="テキスト ボックス 2">
+            <a:extLst>
+              <a:ext uri="{FF2B5EF4-FFF2-40B4-BE49-F238E27FC236}">
+                <a16:creationId xmlns:a16="http://schemas.microsoft.com/office/drawing/2014/main" id="{A2B05316-1A09-4C88-8C72-7BFF9B95D740}"/>
+              </a:ext>
+            </a:extLst>
+          </p:cNvPr>
+          <p:cNvSpPr txBox="1"/>
+          <p:nvPr/>
+        </p:nvSpPr>
+        <p:spPr>
+          <a:xfrm>
+            <a:off x="974924" y="1537528"/>
+            <a:ext cx="1144630" cy="465885"/>
+          </a:xfrm>
+          <a:prstGeom prst="rect">
+            <a:avLst/>
+          </a:prstGeom>
+          <a:solidFill>
+            <a:srgbClr val="92D050">
+              <a:alpha val="40000"/>
+            </a:srgbClr>
+          </a:solidFill>
+          <a:ln>
+            <a:solidFill>
+              <a:schemeClr val="tx1"/>
+            </a:solidFill>
+          </a:ln>
+        </p:spPr>
+        <p:txBody>
+          <a:bodyPr wrap="square" rtlCol="0">
+            <a:noAutofit/>
+          </a:bodyPr>
+          <a:lstStyle/>
+          <a:p>
+            <a:r>
+              <a:rPr lang="en-US" altLang="ja-JP" sz="800" dirty="0">
+                <a:latin typeface="Arial" panose="020B0604020202020204" pitchFamily="34" charset="0"/>
+                <a:cs typeface="Arial" panose="020B0604020202020204" pitchFamily="34" charset="0"/>
+              </a:rPr>
+              <a:t>Fluid inlet port</a:t>
+            </a:r>
+            <a:r>
+              <a:rPr kumimoji="1" lang="en-US" altLang="ja-JP" sz="800" dirty="0">
+                <a:latin typeface="Arial" panose="020B0604020202020204" pitchFamily="34" charset="0"/>
+                <a:cs typeface="Arial" panose="020B0604020202020204" pitchFamily="34" charset="0"/>
+              </a:rPr>
+              <a:t>, </a:t>
+            </a:r>
+            <a:r>
+              <a:rPr kumimoji="1" lang="en-US" altLang="ja-JP" sz="800" dirty="0" err="1">
+                <a:latin typeface="Arial" panose="020B0604020202020204" pitchFamily="34" charset="0"/>
+                <a:cs typeface="Arial" panose="020B0604020202020204" pitchFamily="34" charset="0"/>
+              </a:rPr>
+              <a:t>input&amp;output</a:t>
+            </a:r>
+            <a:r>
+              <a:rPr kumimoji="1" lang="en-US" altLang="ja-JP" sz="800" dirty="0">
+                <a:latin typeface="Arial" panose="020B0604020202020204" pitchFamily="34" charset="0"/>
+                <a:cs typeface="Arial" panose="020B0604020202020204" pitchFamily="34" charset="0"/>
+              </a:rPr>
+              <a:t> (</a:t>
+            </a:r>
+            <a:r>
+              <a:rPr lang="en-US" altLang="ja-JP" sz="800" dirty="0">
+                <a:latin typeface="Arial" panose="020B0604020202020204" pitchFamily="34" charset="0"/>
+                <a:cs typeface="Arial" panose="020B0604020202020204" pitchFamily="34" charset="0"/>
+              </a:rPr>
+              <a:t>use</a:t>
+            </a:r>
+            <a:r>
+              <a:rPr kumimoji="1" lang="en-US" altLang="ja-JP" sz="800" dirty="0">
+                <a:latin typeface="Arial" panose="020B0604020202020204" pitchFamily="34" charset="0"/>
+                <a:cs typeface="Arial" panose="020B0604020202020204" pitchFamily="34" charset="0"/>
+              </a:rPr>
+              <a:t> “connect” operator)</a:t>
+            </a:r>
+            <a:endParaRPr kumimoji="1" lang="ja-JP" altLang="en-US" sz="800" dirty="0">
+              <a:latin typeface="Arial" panose="020B0604020202020204" pitchFamily="34" charset="0"/>
+              <a:cs typeface="Arial" panose="020B0604020202020204" pitchFamily="34" charset="0"/>
+            </a:endParaRPr>
+          </a:p>
+        </p:txBody>
+      </p:sp>
+      <p:cxnSp>
+        <p:nvCxnSpPr>
+          <p:cNvPr id="4" name="直線矢印コネクタ 3">
+            <a:extLst>
+              <a:ext uri="{FF2B5EF4-FFF2-40B4-BE49-F238E27FC236}">
+                <a16:creationId xmlns:a16="http://schemas.microsoft.com/office/drawing/2014/main" id="{48DBC07D-4786-49E2-9462-AB708F34107C}"/>
+              </a:ext>
+            </a:extLst>
+          </p:cNvPr>
+          <p:cNvCxnSpPr>
+            <a:stCxn id="3" idx="3"/>
+          </p:cNvCxnSpPr>
+          <p:nvPr/>
+        </p:nvCxnSpPr>
+        <p:spPr>
+          <a:xfrm>
+            <a:off x="2119554" y="1770471"/>
+            <a:ext cx="680620" cy="59000"/>
+          </a:xfrm>
+          <a:prstGeom prst="straightConnector1">
+            <a:avLst/>
+          </a:prstGeom>
+          <a:ln w="12700">
+            <a:solidFill>
+              <a:schemeClr val="tx1"/>
+            </a:solidFill>
+            <a:tailEnd type="oval"/>
+          </a:ln>
+        </p:spPr>
+        <p:style>
+          <a:lnRef idx="1">
+            <a:schemeClr val="accent1"/>
+          </a:lnRef>
+          <a:fillRef idx="0">
+            <a:schemeClr val="accent1"/>
+          </a:fillRef>
+          <a:effectRef idx="0">
+            <a:schemeClr val="accent1"/>
+          </a:effectRef>
+          <a:fontRef idx="minor">
+            <a:schemeClr val="tx1"/>
+          </a:fontRef>
+        </p:style>
+      </p:cxnSp>
+      <p:sp>
+        <p:nvSpPr>
+          <p:cNvPr id="5" name="テキスト ボックス 4">
+            <a:extLst>
+              <a:ext uri="{FF2B5EF4-FFF2-40B4-BE49-F238E27FC236}">
+                <a16:creationId xmlns:a16="http://schemas.microsoft.com/office/drawing/2014/main" id="{E3719DAC-1B0A-4E2B-838F-0DBC1E6675FC}"/>
+              </a:ext>
+            </a:extLst>
+          </p:cNvPr>
+          <p:cNvSpPr txBox="1"/>
+          <p:nvPr/>
+        </p:nvSpPr>
+        <p:spPr>
+          <a:xfrm>
+            <a:off x="7519657" y="1304585"/>
+            <a:ext cx="1144630" cy="465885"/>
+          </a:xfrm>
+          <a:prstGeom prst="rect">
+            <a:avLst/>
+          </a:prstGeom>
+          <a:solidFill>
+            <a:srgbClr val="92D050">
+              <a:alpha val="40000"/>
+            </a:srgbClr>
+          </a:solidFill>
+          <a:ln>
+            <a:solidFill>
+              <a:schemeClr val="tx1"/>
+            </a:solidFill>
+          </a:ln>
+        </p:spPr>
+        <p:txBody>
+          <a:bodyPr wrap="square" rtlCol="0">
+            <a:noAutofit/>
+          </a:bodyPr>
+          <a:lstStyle/>
+          <a:p>
+            <a:r>
+              <a:rPr lang="en-US" altLang="ja-JP" sz="800" dirty="0">
+                <a:latin typeface="Arial" panose="020B0604020202020204" pitchFamily="34" charset="0"/>
+                <a:cs typeface="Arial" panose="020B0604020202020204" pitchFamily="34" charset="0"/>
+              </a:rPr>
+              <a:t>Fluid outlet port</a:t>
+            </a:r>
+            <a:r>
+              <a:rPr kumimoji="1" lang="en-US" altLang="ja-JP" sz="800" dirty="0">
+                <a:latin typeface="Arial" panose="020B0604020202020204" pitchFamily="34" charset="0"/>
+                <a:cs typeface="Arial" panose="020B0604020202020204" pitchFamily="34" charset="0"/>
+              </a:rPr>
+              <a:t>, </a:t>
+            </a:r>
+            <a:r>
+              <a:rPr kumimoji="1" lang="en-US" altLang="ja-JP" sz="800" dirty="0" err="1">
+                <a:latin typeface="Arial" panose="020B0604020202020204" pitchFamily="34" charset="0"/>
+                <a:cs typeface="Arial" panose="020B0604020202020204" pitchFamily="34" charset="0"/>
+              </a:rPr>
+              <a:t>input&amp;output</a:t>
+            </a:r>
+            <a:r>
+              <a:rPr kumimoji="1" lang="en-US" altLang="ja-JP" sz="800" dirty="0">
+                <a:latin typeface="Arial" panose="020B0604020202020204" pitchFamily="34" charset="0"/>
+                <a:cs typeface="Arial" panose="020B0604020202020204" pitchFamily="34" charset="0"/>
+              </a:rPr>
+              <a:t> (</a:t>
+            </a:r>
+            <a:r>
+              <a:rPr lang="en-US" altLang="ja-JP" sz="800" dirty="0">
+                <a:latin typeface="Arial" panose="020B0604020202020204" pitchFamily="34" charset="0"/>
+                <a:cs typeface="Arial" panose="020B0604020202020204" pitchFamily="34" charset="0"/>
+              </a:rPr>
+              <a:t>use</a:t>
+            </a:r>
+            <a:r>
+              <a:rPr kumimoji="1" lang="en-US" altLang="ja-JP" sz="800" dirty="0">
+                <a:latin typeface="Arial" panose="020B0604020202020204" pitchFamily="34" charset="0"/>
+                <a:cs typeface="Arial" panose="020B0604020202020204" pitchFamily="34" charset="0"/>
+              </a:rPr>
+              <a:t> “connect” operator)</a:t>
+            </a:r>
+            <a:endParaRPr kumimoji="1" lang="ja-JP" altLang="en-US" sz="800" dirty="0">
+              <a:latin typeface="Arial" panose="020B0604020202020204" pitchFamily="34" charset="0"/>
+              <a:cs typeface="Arial" panose="020B0604020202020204" pitchFamily="34" charset="0"/>
+            </a:endParaRPr>
+          </a:p>
+        </p:txBody>
+      </p:sp>
+      <p:cxnSp>
+        <p:nvCxnSpPr>
+          <p:cNvPr id="6" name="直線矢印コネクタ 5">
+            <a:extLst>
+              <a:ext uri="{FF2B5EF4-FFF2-40B4-BE49-F238E27FC236}">
+                <a16:creationId xmlns:a16="http://schemas.microsoft.com/office/drawing/2014/main" id="{28896C70-0347-4DEE-AF97-4EF0359A8894}"/>
+              </a:ext>
+            </a:extLst>
+          </p:cNvPr>
+          <p:cNvCxnSpPr>
+            <a:cxnSpLocks/>
+            <a:stCxn id="5" idx="1"/>
+          </p:cNvCxnSpPr>
+          <p:nvPr/>
+        </p:nvCxnSpPr>
+        <p:spPr>
+          <a:xfrm flipH="1">
+            <a:off x="7001933" y="1537528"/>
+            <a:ext cx="517724" cy="384405"/>
+          </a:xfrm>
+          <a:prstGeom prst="straightConnector1">
+            <a:avLst/>
+          </a:prstGeom>
+          <a:ln w="12700">
+            <a:solidFill>
+              <a:schemeClr val="tx1"/>
+            </a:solidFill>
+            <a:tailEnd type="oval"/>
+          </a:ln>
+        </p:spPr>
+        <p:style>
+          <a:lnRef idx="1">
+            <a:schemeClr val="accent1"/>
+          </a:lnRef>
+          <a:fillRef idx="0">
+            <a:schemeClr val="accent1"/>
+          </a:fillRef>
+          <a:effectRef idx="0">
+            <a:schemeClr val="accent1"/>
+          </a:effectRef>
+          <a:fontRef idx="minor">
+            <a:schemeClr val="tx1"/>
+          </a:fontRef>
+        </p:style>
+      </p:cxnSp>
+      <p:sp>
+        <p:nvSpPr>
+          <p:cNvPr id="9" name="テキスト ボックス 8">
+            <a:extLst>
+              <a:ext uri="{FF2B5EF4-FFF2-40B4-BE49-F238E27FC236}">
+                <a16:creationId xmlns:a16="http://schemas.microsoft.com/office/drawing/2014/main" id="{1C438550-FFFD-4501-AA79-DB60AA16A9BA}"/>
+              </a:ext>
+            </a:extLst>
+          </p:cNvPr>
+          <p:cNvSpPr txBox="1"/>
+          <p:nvPr/>
+        </p:nvSpPr>
+        <p:spPr>
+          <a:xfrm>
+            <a:off x="6690020" y="5958539"/>
+            <a:ext cx="1974267" cy="763994"/>
+          </a:xfrm>
+          <a:prstGeom prst="rect">
+            <a:avLst/>
+          </a:prstGeom>
+          <a:solidFill>
+            <a:srgbClr val="92D050">
+              <a:alpha val="40000"/>
+            </a:srgbClr>
+          </a:solidFill>
+          <a:ln>
+            <a:solidFill>
+              <a:schemeClr val="tx1"/>
+            </a:solidFill>
+          </a:ln>
+        </p:spPr>
+        <p:txBody>
+          <a:bodyPr wrap="square" rtlCol="0">
+            <a:noAutofit/>
+          </a:bodyPr>
+          <a:lstStyle/>
+          <a:p>
+            <a:r>
+              <a:rPr lang="en-US" altLang="ja-JP" sz="800" dirty="0">
+                <a:latin typeface="Arial" panose="020B0604020202020204" pitchFamily="34" charset="0"/>
+                <a:cs typeface="Arial" panose="020B0604020202020204" pitchFamily="34" charset="0"/>
+              </a:rPr>
+              <a:t>Expandable connector prepared for communication with internal variables which cannot be accessed by other ports, </a:t>
+            </a:r>
+          </a:p>
+          <a:p>
+            <a:r>
+              <a:rPr lang="en-US" altLang="ja-JP" sz="800" dirty="0" err="1">
+                <a:latin typeface="Arial" panose="020B0604020202020204" pitchFamily="34" charset="0"/>
+                <a:cs typeface="Arial" panose="020B0604020202020204" pitchFamily="34" charset="0"/>
+              </a:rPr>
+              <a:t>input&amp;output</a:t>
+            </a:r>
+            <a:r>
+              <a:rPr lang="en-US" altLang="ja-JP" sz="800" dirty="0">
+                <a:latin typeface="Arial" panose="020B0604020202020204" pitchFamily="34" charset="0"/>
+                <a:cs typeface="Arial" panose="020B0604020202020204" pitchFamily="34" charset="0"/>
+              </a:rPr>
+              <a:t>  (use “connect” operator)</a:t>
+            </a:r>
+            <a:endParaRPr lang="ja-JP" altLang="en-US" sz="800" dirty="0">
+              <a:latin typeface="Arial" panose="020B0604020202020204" pitchFamily="34" charset="0"/>
+              <a:cs typeface="Arial" panose="020B0604020202020204" pitchFamily="34" charset="0"/>
+            </a:endParaRPr>
+          </a:p>
+        </p:txBody>
+      </p:sp>
+      <p:cxnSp>
+        <p:nvCxnSpPr>
+          <p:cNvPr id="10" name="直線矢印コネクタ 9">
+            <a:extLst>
+              <a:ext uri="{FF2B5EF4-FFF2-40B4-BE49-F238E27FC236}">
+                <a16:creationId xmlns:a16="http://schemas.microsoft.com/office/drawing/2014/main" id="{18855AAA-DAAE-4D56-BE62-6171413323EA}"/>
+              </a:ext>
+            </a:extLst>
+          </p:cNvPr>
+          <p:cNvCxnSpPr>
+            <a:cxnSpLocks/>
+            <a:stCxn id="9" idx="0"/>
+          </p:cNvCxnSpPr>
+          <p:nvPr/>
+        </p:nvCxnSpPr>
+        <p:spPr>
+          <a:xfrm flipH="1" flipV="1">
+            <a:off x="6519334" y="5723467"/>
+            <a:ext cx="1157820" cy="235072"/>
+          </a:xfrm>
+          <a:prstGeom prst="straightConnector1">
+            <a:avLst/>
+          </a:prstGeom>
+          <a:ln w="12700">
+            <a:solidFill>
+              <a:schemeClr val="tx1"/>
+            </a:solidFill>
+            <a:tailEnd type="oval"/>
+          </a:ln>
+        </p:spPr>
+        <p:style>
+          <a:lnRef idx="1">
+            <a:schemeClr val="accent1"/>
+          </a:lnRef>
+          <a:fillRef idx="0">
+            <a:schemeClr val="accent1"/>
+          </a:fillRef>
+          <a:effectRef idx="0">
+            <a:schemeClr val="accent1"/>
+          </a:effectRef>
+          <a:fontRef idx="minor">
+            <a:schemeClr val="tx1"/>
+          </a:fontRef>
+        </p:style>
+      </p:cxnSp>
+    </p:spTree>
+    <p:extLst>
+      <p:ext uri="{BB962C8B-B14F-4D97-AF65-F5344CB8AC3E}">
+        <p14:creationId xmlns:p14="http://schemas.microsoft.com/office/powerpoint/2010/main" val="3578825604"/>
       </p:ext>
     </p:extLst>
   </p:cSld>

--- a/figs/makeFig.pptx
+++ b/figs/makeFig.pptx
@@ -15141,409 +15141,953 @@
           <a:chExt cx="0" cy="0"/>
         </a:xfrm>
       </p:grpSpPr>
-      <p:pic>
-        <p:nvPicPr>
-          <p:cNvPr id="2" name="図 1">
+      <p:grpSp>
+        <p:nvGrpSpPr>
+          <p:cNvPr id="40" name="グループ化 39">
             <a:extLst>
               <a:ext uri="{FF2B5EF4-FFF2-40B4-BE49-F238E27FC236}">
-                <a16:creationId xmlns:a16="http://schemas.microsoft.com/office/drawing/2014/main" id="{97908AF0-4C53-46A0-9489-757C3CD2235F}"/>
+                <a16:creationId xmlns:a16="http://schemas.microsoft.com/office/drawing/2014/main" id="{E1D05A80-F262-4FBD-A043-1DB3C252054D}"/>
               </a:ext>
             </a:extLst>
           </p:cNvPr>
-          <p:cNvPicPr>
-            <a:picLocks noChangeAspect="1"/>
-          </p:cNvPicPr>
+          <p:cNvGrpSpPr/>
           <p:nvPr/>
-        </p:nvPicPr>
-        <p:blipFill>
-          <a:blip r:embed="rId2"/>
-          <a:stretch>
-            <a:fillRect/>
-          </a:stretch>
-        </p:blipFill>
-        <p:spPr>
+        </p:nvGrpSpPr>
+        <p:grpSpPr>
           <a:xfrm>
-            <a:off x="2493865" y="1368193"/>
-            <a:ext cx="4872754" cy="4653954"/>
+            <a:off x="1602253" y="1840327"/>
+            <a:ext cx="6922612" cy="4240736"/>
+            <a:chOff x="1602253" y="1840327"/>
+            <a:chExt cx="6922612" cy="4240736"/>
           </a:xfrm>
-          <a:prstGeom prst="rect">
-            <a:avLst/>
-          </a:prstGeom>
-        </p:spPr>
-      </p:pic>
-      <p:sp>
-        <p:nvSpPr>
-          <p:cNvPr id="3" name="テキスト ボックス 2">
-            <a:extLst>
-              <a:ext uri="{FF2B5EF4-FFF2-40B4-BE49-F238E27FC236}">
-                <a16:creationId xmlns:a16="http://schemas.microsoft.com/office/drawing/2014/main" id="{A2B05316-1A09-4C88-8C72-7BFF9B95D740}"/>
-              </a:ext>
-            </a:extLst>
-          </p:cNvPr>
-          <p:cNvSpPr txBox="1"/>
-          <p:nvPr/>
-        </p:nvSpPr>
-        <p:spPr>
-          <a:xfrm>
-            <a:off x="974924" y="1537528"/>
-            <a:ext cx="1144630" cy="465885"/>
-          </a:xfrm>
-          <a:prstGeom prst="rect">
-            <a:avLst/>
-          </a:prstGeom>
-          <a:solidFill>
-            <a:srgbClr val="92D050">
-              <a:alpha val="40000"/>
-            </a:srgbClr>
-          </a:solidFill>
-          <a:ln>
+        </p:grpSpPr>
+        <p:pic>
+          <p:nvPicPr>
+            <p:cNvPr id="2" name="図 1">
+              <a:extLst>
+                <a:ext uri="{FF2B5EF4-FFF2-40B4-BE49-F238E27FC236}">
+                  <a16:creationId xmlns:a16="http://schemas.microsoft.com/office/drawing/2014/main" id="{97908AF0-4C53-46A0-9489-757C3CD2235F}"/>
+                </a:ext>
+              </a:extLst>
+            </p:cNvPr>
+            <p:cNvPicPr>
+              <a:picLocks noChangeAspect="1"/>
+            </p:cNvPicPr>
+            <p:nvPr/>
+          </p:nvPicPr>
+          <p:blipFill>
+            <a:blip r:embed="rId2"/>
+            <a:stretch>
+              <a:fillRect/>
+            </a:stretch>
+          </p:blipFill>
+          <p:spPr>
+            <a:xfrm>
+              <a:off x="3266164" y="2105813"/>
+              <a:ext cx="3328156" cy="3178714"/>
+            </a:xfrm>
+            <a:prstGeom prst="rect">
+              <a:avLst/>
+            </a:prstGeom>
+          </p:spPr>
+        </p:pic>
+        <p:sp>
+          <p:nvSpPr>
+            <p:cNvPr id="3" name="テキスト ボックス 2">
+              <a:extLst>
+                <a:ext uri="{FF2B5EF4-FFF2-40B4-BE49-F238E27FC236}">
+                  <a16:creationId xmlns:a16="http://schemas.microsoft.com/office/drawing/2014/main" id="{A2B05316-1A09-4C88-8C72-7BFF9B95D740}"/>
+                </a:ext>
+              </a:extLst>
+            </p:cNvPr>
+            <p:cNvSpPr txBox="1"/>
+            <p:nvPr/>
+          </p:nvSpPr>
+          <p:spPr>
+            <a:xfrm>
+              <a:off x="1831157" y="1840327"/>
+              <a:ext cx="1144630" cy="495547"/>
+            </a:xfrm>
+            <a:prstGeom prst="rect">
+              <a:avLst/>
+            </a:prstGeom>
             <a:solidFill>
-              <a:schemeClr val="tx1"/>
+              <a:srgbClr val="92D050">
+                <a:alpha val="40000"/>
+              </a:srgbClr>
             </a:solidFill>
-          </a:ln>
-        </p:spPr>
-        <p:txBody>
-          <a:bodyPr wrap="square" rtlCol="0">
-            <a:noAutofit/>
-          </a:bodyPr>
-          <a:lstStyle/>
-          <a:p>
-            <a:r>
-              <a:rPr lang="en-US" altLang="ja-JP" sz="800" dirty="0">
+            <a:ln>
+              <a:solidFill>
+                <a:schemeClr val="tx1"/>
+              </a:solidFill>
+            </a:ln>
+          </p:spPr>
+          <p:txBody>
+            <a:bodyPr wrap="square" rtlCol="0">
+              <a:noAutofit/>
+            </a:bodyPr>
+            <a:lstStyle/>
+            <a:p>
+              <a:r>
+                <a:rPr lang="en-US" altLang="ja-JP" sz="800" dirty="0">
+                  <a:latin typeface="Arial" panose="020B0604020202020204" pitchFamily="34" charset="0"/>
+                  <a:cs typeface="Arial" panose="020B0604020202020204" pitchFamily="34" charset="0"/>
+                </a:rPr>
+                <a:t>Fluid inlet port</a:t>
+              </a:r>
+              <a:r>
+                <a:rPr kumimoji="1" lang="en-US" altLang="ja-JP" sz="800" dirty="0">
+                  <a:latin typeface="Arial" panose="020B0604020202020204" pitchFamily="34" charset="0"/>
+                  <a:cs typeface="Arial" panose="020B0604020202020204" pitchFamily="34" charset="0"/>
+                </a:rPr>
+                <a:t>, </a:t>
+              </a:r>
+              <a:r>
+                <a:rPr kumimoji="1" lang="en-US" altLang="ja-JP" sz="800" dirty="0" err="1">
+                  <a:latin typeface="Arial" panose="020B0604020202020204" pitchFamily="34" charset="0"/>
+                  <a:cs typeface="Arial" panose="020B0604020202020204" pitchFamily="34" charset="0"/>
+                </a:rPr>
+                <a:t>input&amp;output</a:t>
+              </a:r>
+              <a:r>
+                <a:rPr kumimoji="1" lang="en-US" altLang="ja-JP" sz="800" dirty="0">
+                  <a:latin typeface="Arial" panose="020B0604020202020204" pitchFamily="34" charset="0"/>
+                  <a:cs typeface="Arial" panose="020B0604020202020204" pitchFamily="34" charset="0"/>
+                </a:rPr>
+                <a:t> (</a:t>
+              </a:r>
+              <a:r>
+                <a:rPr lang="en-US" altLang="ja-JP" sz="800" dirty="0">
+                  <a:latin typeface="Arial" panose="020B0604020202020204" pitchFamily="34" charset="0"/>
+                  <a:cs typeface="Arial" panose="020B0604020202020204" pitchFamily="34" charset="0"/>
+                </a:rPr>
+                <a:t>use</a:t>
+              </a:r>
+              <a:r>
+                <a:rPr kumimoji="1" lang="en-US" altLang="ja-JP" sz="800" dirty="0">
+                  <a:latin typeface="Arial" panose="020B0604020202020204" pitchFamily="34" charset="0"/>
+                  <a:cs typeface="Arial" panose="020B0604020202020204" pitchFamily="34" charset="0"/>
+                </a:rPr>
+                <a:t> “connect” operator)</a:t>
+              </a:r>
+              <a:endParaRPr kumimoji="1" lang="ja-JP" altLang="en-US" sz="800" dirty="0">
                 <a:latin typeface="Arial" panose="020B0604020202020204" pitchFamily="34" charset="0"/>
                 <a:cs typeface="Arial" panose="020B0604020202020204" pitchFamily="34" charset="0"/>
-              </a:rPr>
-              <a:t>Fluid inlet port</a:t>
-            </a:r>
-            <a:r>
-              <a:rPr kumimoji="1" lang="en-US" altLang="ja-JP" sz="800" dirty="0">
+              </a:endParaRPr>
+            </a:p>
+          </p:txBody>
+        </p:sp>
+        <p:cxnSp>
+          <p:nvCxnSpPr>
+            <p:cNvPr id="4" name="直線矢印コネクタ 3">
+              <a:extLst>
+                <a:ext uri="{FF2B5EF4-FFF2-40B4-BE49-F238E27FC236}">
+                  <a16:creationId xmlns:a16="http://schemas.microsoft.com/office/drawing/2014/main" id="{48DBC07D-4786-49E2-9462-AB708F34107C}"/>
+                </a:ext>
+              </a:extLst>
+            </p:cNvPr>
+            <p:cNvCxnSpPr>
+              <a:cxnSpLocks/>
+              <a:stCxn id="3" idx="3"/>
+            </p:cNvCxnSpPr>
+            <p:nvPr/>
+          </p:nvCxnSpPr>
+          <p:spPr>
+            <a:xfrm>
+              <a:off x="2975787" y="2088101"/>
+              <a:ext cx="495506" cy="394730"/>
+            </a:xfrm>
+            <a:prstGeom prst="straightConnector1">
+              <a:avLst/>
+            </a:prstGeom>
+            <a:ln w="12700">
+              <a:solidFill>
+                <a:schemeClr val="tx1"/>
+              </a:solidFill>
+              <a:tailEnd type="oval"/>
+            </a:ln>
+          </p:spPr>
+          <p:style>
+            <a:lnRef idx="1">
+              <a:schemeClr val="accent1"/>
+            </a:lnRef>
+            <a:fillRef idx="0">
+              <a:schemeClr val="accent1"/>
+            </a:fillRef>
+            <a:effectRef idx="0">
+              <a:schemeClr val="accent1"/>
+            </a:effectRef>
+            <a:fontRef idx="minor">
+              <a:schemeClr val="tx1"/>
+            </a:fontRef>
+          </p:style>
+        </p:cxnSp>
+        <p:sp>
+          <p:nvSpPr>
+            <p:cNvPr id="5" name="テキスト ボックス 4">
+              <a:extLst>
+                <a:ext uri="{FF2B5EF4-FFF2-40B4-BE49-F238E27FC236}">
+                  <a16:creationId xmlns:a16="http://schemas.microsoft.com/office/drawing/2014/main" id="{E3719DAC-1B0A-4E2B-838F-0DBC1E6675FC}"/>
+                </a:ext>
+              </a:extLst>
+            </p:cNvPr>
+            <p:cNvSpPr txBox="1"/>
+            <p:nvPr/>
+          </p:nvSpPr>
+          <p:spPr>
+            <a:xfrm>
+              <a:off x="6884697" y="1840328"/>
+              <a:ext cx="1144630" cy="465885"/>
+            </a:xfrm>
+            <a:prstGeom prst="rect">
+              <a:avLst/>
+            </a:prstGeom>
+            <a:solidFill>
+              <a:srgbClr val="92D050">
+                <a:alpha val="40000"/>
+              </a:srgbClr>
+            </a:solidFill>
+            <a:ln>
+              <a:solidFill>
+                <a:schemeClr val="tx1"/>
+              </a:solidFill>
+            </a:ln>
+          </p:spPr>
+          <p:txBody>
+            <a:bodyPr wrap="square" rtlCol="0">
+              <a:noAutofit/>
+            </a:bodyPr>
+            <a:lstStyle/>
+            <a:p>
+              <a:r>
+                <a:rPr lang="en-US" altLang="ja-JP" sz="800" dirty="0">
+                  <a:latin typeface="Arial" panose="020B0604020202020204" pitchFamily="34" charset="0"/>
+                  <a:cs typeface="Arial" panose="020B0604020202020204" pitchFamily="34" charset="0"/>
+                </a:rPr>
+                <a:t>Fluid outlet port</a:t>
+              </a:r>
+              <a:r>
+                <a:rPr kumimoji="1" lang="en-US" altLang="ja-JP" sz="800" dirty="0">
+                  <a:latin typeface="Arial" panose="020B0604020202020204" pitchFamily="34" charset="0"/>
+                  <a:cs typeface="Arial" panose="020B0604020202020204" pitchFamily="34" charset="0"/>
+                </a:rPr>
+                <a:t>, </a:t>
+              </a:r>
+              <a:r>
+                <a:rPr kumimoji="1" lang="en-US" altLang="ja-JP" sz="800" dirty="0" err="1">
+                  <a:latin typeface="Arial" panose="020B0604020202020204" pitchFamily="34" charset="0"/>
+                  <a:cs typeface="Arial" panose="020B0604020202020204" pitchFamily="34" charset="0"/>
+                </a:rPr>
+                <a:t>input&amp;output</a:t>
+              </a:r>
+              <a:r>
+                <a:rPr kumimoji="1" lang="en-US" altLang="ja-JP" sz="800" dirty="0">
+                  <a:latin typeface="Arial" panose="020B0604020202020204" pitchFamily="34" charset="0"/>
+                  <a:cs typeface="Arial" panose="020B0604020202020204" pitchFamily="34" charset="0"/>
+                </a:rPr>
+                <a:t> (</a:t>
+              </a:r>
+              <a:r>
+                <a:rPr lang="en-US" altLang="ja-JP" sz="800" dirty="0">
+                  <a:latin typeface="Arial" panose="020B0604020202020204" pitchFamily="34" charset="0"/>
+                  <a:cs typeface="Arial" panose="020B0604020202020204" pitchFamily="34" charset="0"/>
+                </a:rPr>
+                <a:t>use</a:t>
+              </a:r>
+              <a:r>
+                <a:rPr kumimoji="1" lang="en-US" altLang="ja-JP" sz="800" dirty="0">
+                  <a:latin typeface="Arial" panose="020B0604020202020204" pitchFamily="34" charset="0"/>
+                  <a:cs typeface="Arial" panose="020B0604020202020204" pitchFamily="34" charset="0"/>
+                </a:rPr>
+                <a:t> “connect” operator)</a:t>
+              </a:r>
+              <a:endParaRPr kumimoji="1" lang="ja-JP" altLang="en-US" sz="800" dirty="0">
                 <a:latin typeface="Arial" panose="020B0604020202020204" pitchFamily="34" charset="0"/>
                 <a:cs typeface="Arial" panose="020B0604020202020204" pitchFamily="34" charset="0"/>
-              </a:rPr>
-              <a:t>, </a:t>
-            </a:r>
-            <a:r>
-              <a:rPr kumimoji="1" lang="en-US" altLang="ja-JP" sz="800" dirty="0" err="1">
+              </a:endParaRPr>
+            </a:p>
+          </p:txBody>
+        </p:sp>
+        <p:cxnSp>
+          <p:nvCxnSpPr>
+            <p:cNvPr id="6" name="直線矢印コネクタ 5">
+              <a:extLst>
+                <a:ext uri="{FF2B5EF4-FFF2-40B4-BE49-F238E27FC236}">
+                  <a16:creationId xmlns:a16="http://schemas.microsoft.com/office/drawing/2014/main" id="{28896C70-0347-4DEE-AF97-4EF0359A8894}"/>
+                </a:ext>
+              </a:extLst>
+            </p:cNvPr>
+            <p:cNvCxnSpPr>
+              <a:cxnSpLocks/>
+              <a:stCxn id="5" idx="1"/>
+            </p:cNvCxnSpPr>
+            <p:nvPr/>
+          </p:nvCxnSpPr>
+          <p:spPr>
+            <a:xfrm flipH="1">
+              <a:off x="6366973" y="2073271"/>
+              <a:ext cx="517724" cy="384405"/>
+            </a:xfrm>
+            <a:prstGeom prst="straightConnector1">
+              <a:avLst/>
+            </a:prstGeom>
+            <a:ln w="12700">
+              <a:solidFill>
+                <a:schemeClr val="tx1"/>
+              </a:solidFill>
+              <a:tailEnd type="oval"/>
+            </a:ln>
+          </p:spPr>
+          <p:style>
+            <a:lnRef idx="1">
+              <a:schemeClr val="accent1"/>
+            </a:lnRef>
+            <a:fillRef idx="0">
+              <a:schemeClr val="accent1"/>
+            </a:fillRef>
+            <a:effectRef idx="0">
+              <a:schemeClr val="accent1"/>
+            </a:effectRef>
+            <a:fontRef idx="minor">
+              <a:schemeClr val="tx1"/>
+            </a:fontRef>
+          </p:style>
+        </p:cxnSp>
+        <p:sp>
+          <p:nvSpPr>
+            <p:cNvPr id="9" name="テキスト ボックス 8">
+              <a:extLst>
+                <a:ext uri="{FF2B5EF4-FFF2-40B4-BE49-F238E27FC236}">
+                  <a16:creationId xmlns:a16="http://schemas.microsoft.com/office/drawing/2014/main" id="{1C438550-FFFD-4501-AA79-DB60AA16A9BA}"/>
+                </a:ext>
+              </a:extLst>
+            </p:cNvPr>
+            <p:cNvSpPr txBox="1"/>
+            <p:nvPr/>
+          </p:nvSpPr>
+          <p:spPr>
+            <a:xfrm>
+              <a:off x="6450533" y="5317069"/>
+              <a:ext cx="1974267" cy="763994"/>
+            </a:xfrm>
+            <a:prstGeom prst="rect">
+              <a:avLst/>
+            </a:prstGeom>
+            <a:solidFill>
+              <a:srgbClr val="92D050">
+                <a:alpha val="40000"/>
+              </a:srgbClr>
+            </a:solidFill>
+            <a:ln>
+              <a:solidFill>
+                <a:schemeClr val="tx1"/>
+              </a:solidFill>
+            </a:ln>
+          </p:spPr>
+          <p:txBody>
+            <a:bodyPr wrap="square" rtlCol="0">
+              <a:noAutofit/>
+            </a:bodyPr>
+            <a:lstStyle/>
+            <a:p>
+              <a:r>
+                <a:rPr lang="en-US" altLang="ja-JP" sz="800" dirty="0">
+                  <a:latin typeface="Arial" panose="020B0604020202020204" pitchFamily="34" charset="0"/>
+                  <a:cs typeface="Arial" panose="020B0604020202020204" pitchFamily="34" charset="0"/>
+                </a:rPr>
+                <a:t>Expandable connector prepared for communication with internal variables which cannot be accessed by other ports, </a:t>
+              </a:r>
+            </a:p>
+            <a:p>
+              <a:r>
+                <a:rPr lang="en-US" altLang="ja-JP" sz="800" dirty="0" err="1">
+                  <a:latin typeface="Arial" panose="020B0604020202020204" pitchFamily="34" charset="0"/>
+                  <a:cs typeface="Arial" panose="020B0604020202020204" pitchFamily="34" charset="0"/>
+                </a:rPr>
+                <a:t>input&amp;output</a:t>
+              </a:r>
+              <a:r>
+                <a:rPr lang="en-US" altLang="ja-JP" sz="800" dirty="0">
+                  <a:latin typeface="Arial" panose="020B0604020202020204" pitchFamily="34" charset="0"/>
+                  <a:cs typeface="Arial" panose="020B0604020202020204" pitchFamily="34" charset="0"/>
+                </a:rPr>
+                <a:t>  (use “connect” operator)</a:t>
+              </a:r>
+              <a:endParaRPr lang="ja-JP" altLang="en-US" sz="800" dirty="0">
                 <a:latin typeface="Arial" panose="020B0604020202020204" pitchFamily="34" charset="0"/>
                 <a:cs typeface="Arial" panose="020B0604020202020204" pitchFamily="34" charset="0"/>
-              </a:rPr>
-              <a:t>input&amp;output</a:t>
-            </a:r>
-            <a:r>
-              <a:rPr kumimoji="1" lang="en-US" altLang="ja-JP" sz="800" dirty="0">
+              </a:endParaRPr>
+            </a:p>
+          </p:txBody>
+        </p:sp>
+        <p:cxnSp>
+          <p:nvCxnSpPr>
+            <p:cNvPr id="10" name="直線矢印コネクタ 9">
+              <a:extLst>
+                <a:ext uri="{FF2B5EF4-FFF2-40B4-BE49-F238E27FC236}">
+                  <a16:creationId xmlns:a16="http://schemas.microsoft.com/office/drawing/2014/main" id="{18855AAA-DAAE-4D56-BE62-6171413323EA}"/>
+                </a:ext>
+              </a:extLst>
+            </p:cNvPr>
+            <p:cNvCxnSpPr>
+              <a:cxnSpLocks/>
+              <a:stCxn id="9" idx="0"/>
+            </p:cNvCxnSpPr>
+            <p:nvPr/>
+          </p:nvCxnSpPr>
+          <p:spPr>
+            <a:xfrm flipH="1" flipV="1">
+              <a:off x="6013665" y="5101999"/>
+              <a:ext cx="1424002" cy="215070"/>
+            </a:xfrm>
+            <a:prstGeom prst="straightConnector1">
+              <a:avLst/>
+            </a:prstGeom>
+            <a:ln w="12700">
+              <a:solidFill>
+                <a:schemeClr val="tx1"/>
+              </a:solidFill>
+              <a:tailEnd type="oval"/>
+            </a:ln>
+          </p:spPr>
+          <p:style>
+            <a:lnRef idx="1">
+              <a:schemeClr val="accent1"/>
+            </a:lnRef>
+            <a:fillRef idx="0">
+              <a:schemeClr val="accent1"/>
+            </a:fillRef>
+            <a:effectRef idx="0">
+              <a:schemeClr val="accent1"/>
+            </a:effectRef>
+            <a:fontRef idx="minor">
+              <a:schemeClr val="tx1"/>
+            </a:fontRef>
+          </p:style>
+        </p:cxnSp>
+        <p:sp>
+          <p:nvSpPr>
+            <p:cNvPr id="11" name="テキスト ボックス 10">
+              <a:extLst>
+                <a:ext uri="{FF2B5EF4-FFF2-40B4-BE49-F238E27FC236}">
+                  <a16:creationId xmlns:a16="http://schemas.microsoft.com/office/drawing/2014/main" id="{673D0FB5-20C9-4B21-8F3B-EF070E6E031A}"/>
+                </a:ext>
+              </a:extLst>
+            </p:cNvPr>
+            <p:cNvSpPr txBox="1"/>
+            <p:nvPr/>
+          </p:nvSpPr>
+          <p:spPr>
+            <a:xfrm>
+              <a:off x="7024151" y="3126330"/>
+              <a:ext cx="1500714" cy="639622"/>
+            </a:xfrm>
+            <a:prstGeom prst="rect">
+              <a:avLst/>
+            </a:prstGeom>
+            <a:solidFill>
+              <a:srgbClr val="92D050">
+                <a:alpha val="40000"/>
+              </a:srgbClr>
+            </a:solidFill>
+            <a:ln>
+              <a:solidFill>
+                <a:schemeClr val="tx1"/>
+              </a:solidFill>
+            </a:ln>
+          </p:spPr>
+          <p:txBody>
+            <a:bodyPr wrap="square" rtlCol="0">
+              <a:noAutofit/>
+            </a:bodyPr>
+            <a:lstStyle/>
+            <a:p>
+              <a:r>
+                <a:rPr kumimoji="1" lang="en-US" altLang="ja-JP" sz="800" dirty="0">
+                  <a:latin typeface="Arial" panose="020B0604020202020204" pitchFamily="34" charset="0"/>
+                  <a:cs typeface="Arial" panose="020B0604020202020204" pitchFamily="34" charset="0"/>
+                </a:rPr>
+                <a:t>Flange (rotational mechanics port), </a:t>
+              </a:r>
+            </a:p>
+            <a:p>
+              <a:r>
+                <a:rPr kumimoji="1" lang="en-US" altLang="ja-JP" sz="800" dirty="0" err="1">
+                  <a:latin typeface="Arial" panose="020B0604020202020204" pitchFamily="34" charset="0"/>
+                  <a:cs typeface="Arial" panose="020B0604020202020204" pitchFamily="34" charset="0"/>
+                </a:rPr>
+                <a:t>input&amp;output</a:t>
+              </a:r>
+              <a:r>
+                <a:rPr kumimoji="1" lang="en-US" altLang="ja-JP" sz="800" dirty="0">
+                  <a:latin typeface="Arial" panose="020B0604020202020204" pitchFamily="34" charset="0"/>
+                  <a:cs typeface="Arial" panose="020B0604020202020204" pitchFamily="34" charset="0"/>
+                </a:rPr>
+                <a:t> (</a:t>
+              </a:r>
+              <a:r>
+                <a:rPr lang="en-US" altLang="ja-JP" sz="800" dirty="0">
+                  <a:latin typeface="Arial" panose="020B0604020202020204" pitchFamily="34" charset="0"/>
+                  <a:cs typeface="Arial" panose="020B0604020202020204" pitchFamily="34" charset="0"/>
+                </a:rPr>
+                <a:t>use</a:t>
+              </a:r>
+              <a:r>
+                <a:rPr kumimoji="1" lang="en-US" altLang="ja-JP" sz="800" dirty="0">
+                  <a:latin typeface="Arial" panose="020B0604020202020204" pitchFamily="34" charset="0"/>
+                  <a:cs typeface="Arial" panose="020B0604020202020204" pitchFamily="34" charset="0"/>
+                </a:rPr>
+                <a:t> “connect” operator)</a:t>
+              </a:r>
+              <a:endParaRPr kumimoji="1" lang="ja-JP" altLang="en-US" sz="800" dirty="0">
                 <a:latin typeface="Arial" panose="020B0604020202020204" pitchFamily="34" charset="0"/>
                 <a:cs typeface="Arial" panose="020B0604020202020204" pitchFamily="34" charset="0"/>
-              </a:rPr>
-              <a:t> (</a:t>
-            </a:r>
-            <a:r>
-              <a:rPr lang="en-US" altLang="ja-JP" sz="800" dirty="0">
+              </a:endParaRPr>
+            </a:p>
+          </p:txBody>
+        </p:sp>
+        <p:cxnSp>
+          <p:nvCxnSpPr>
+            <p:cNvPr id="12" name="直線矢印コネクタ 11">
+              <a:extLst>
+                <a:ext uri="{FF2B5EF4-FFF2-40B4-BE49-F238E27FC236}">
+                  <a16:creationId xmlns:a16="http://schemas.microsoft.com/office/drawing/2014/main" id="{218B9CDE-C134-4A60-96F1-784F37B6CBDE}"/>
+                </a:ext>
+              </a:extLst>
+            </p:cNvPr>
+            <p:cNvCxnSpPr>
+              <a:cxnSpLocks/>
+              <a:stCxn id="11" idx="1"/>
+            </p:cNvCxnSpPr>
+            <p:nvPr/>
+          </p:nvCxnSpPr>
+          <p:spPr>
+            <a:xfrm flipH="1">
+              <a:off x="6450533" y="3446141"/>
+              <a:ext cx="573618" cy="201637"/>
+            </a:xfrm>
+            <a:prstGeom prst="straightConnector1">
+              <a:avLst/>
+            </a:prstGeom>
+            <a:ln w="12700">
+              <a:solidFill>
+                <a:schemeClr val="tx1"/>
+              </a:solidFill>
+              <a:tailEnd type="oval"/>
+            </a:ln>
+          </p:spPr>
+          <p:style>
+            <a:lnRef idx="1">
+              <a:schemeClr val="accent1"/>
+            </a:lnRef>
+            <a:fillRef idx="0">
+              <a:schemeClr val="accent1"/>
+            </a:fillRef>
+            <a:effectRef idx="0">
+              <a:schemeClr val="accent1"/>
+            </a:effectRef>
+            <a:fontRef idx="minor">
+              <a:schemeClr val="tx1"/>
+            </a:fontRef>
+          </p:style>
+        </p:cxnSp>
+        <p:sp>
+          <p:nvSpPr>
+            <p:cNvPr id="18" name="テキスト ボックス 17">
+              <a:extLst>
+                <a:ext uri="{FF2B5EF4-FFF2-40B4-BE49-F238E27FC236}">
+                  <a16:creationId xmlns:a16="http://schemas.microsoft.com/office/drawing/2014/main" id="{23B95470-75CA-47E7-AEFE-08461357024A}"/>
+                </a:ext>
+              </a:extLst>
+            </p:cNvPr>
+            <p:cNvSpPr txBox="1"/>
+            <p:nvPr/>
+          </p:nvSpPr>
+          <p:spPr>
+            <a:xfrm>
+              <a:off x="1602253" y="2931751"/>
+              <a:ext cx="1500714" cy="639622"/>
+            </a:xfrm>
+            <a:prstGeom prst="rect">
+              <a:avLst/>
+            </a:prstGeom>
+            <a:solidFill>
+              <a:srgbClr val="92D050">
+                <a:alpha val="40000"/>
+              </a:srgbClr>
+            </a:solidFill>
+            <a:ln>
+              <a:solidFill>
+                <a:schemeClr val="tx1"/>
+              </a:solidFill>
+            </a:ln>
+          </p:spPr>
+          <p:txBody>
+            <a:bodyPr wrap="square" rtlCol="0">
+              <a:noAutofit/>
+            </a:bodyPr>
+            <a:lstStyle/>
+            <a:p>
+              <a:r>
+                <a:rPr kumimoji="1" lang="en-US" altLang="ja-JP" sz="800" dirty="0">
+                  <a:latin typeface="Arial" panose="020B0604020202020204" pitchFamily="34" charset="0"/>
+                  <a:cs typeface="Arial" panose="020B0604020202020204" pitchFamily="34" charset="0"/>
+                </a:rPr>
+                <a:t>Flange (rotational mechanics port), </a:t>
+              </a:r>
+            </a:p>
+            <a:p>
+              <a:r>
+                <a:rPr kumimoji="1" lang="en-US" altLang="ja-JP" sz="800" dirty="0" err="1">
+                  <a:latin typeface="Arial" panose="020B0604020202020204" pitchFamily="34" charset="0"/>
+                  <a:cs typeface="Arial" panose="020B0604020202020204" pitchFamily="34" charset="0"/>
+                </a:rPr>
+                <a:t>input&amp;output</a:t>
+              </a:r>
+              <a:r>
+                <a:rPr kumimoji="1" lang="en-US" altLang="ja-JP" sz="800" dirty="0">
+                  <a:latin typeface="Arial" panose="020B0604020202020204" pitchFamily="34" charset="0"/>
+                  <a:cs typeface="Arial" panose="020B0604020202020204" pitchFamily="34" charset="0"/>
+                </a:rPr>
+                <a:t> (</a:t>
+              </a:r>
+              <a:r>
+                <a:rPr lang="en-US" altLang="ja-JP" sz="800" dirty="0">
+                  <a:latin typeface="Arial" panose="020B0604020202020204" pitchFamily="34" charset="0"/>
+                  <a:cs typeface="Arial" panose="020B0604020202020204" pitchFamily="34" charset="0"/>
+                </a:rPr>
+                <a:t>use</a:t>
+              </a:r>
+              <a:r>
+                <a:rPr kumimoji="1" lang="en-US" altLang="ja-JP" sz="800" dirty="0">
+                  <a:latin typeface="Arial" panose="020B0604020202020204" pitchFamily="34" charset="0"/>
+                  <a:cs typeface="Arial" panose="020B0604020202020204" pitchFamily="34" charset="0"/>
+                </a:rPr>
+                <a:t> “connect” operator)</a:t>
+              </a:r>
+              <a:endParaRPr kumimoji="1" lang="ja-JP" altLang="en-US" sz="800" dirty="0">
                 <a:latin typeface="Arial" panose="020B0604020202020204" pitchFamily="34" charset="0"/>
                 <a:cs typeface="Arial" panose="020B0604020202020204" pitchFamily="34" charset="0"/>
-              </a:rPr>
-              <a:t>use</a:t>
-            </a:r>
-            <a:r>
-              <a:rPr kumimoji="1" lang="en-US" altLang="ja-JP" sz="800" dirty="0">
+              </a:endParaRPr>
+            </a:p>
+          </p:txBody>
+        </p:sp>
+        <p:cxnSp>
+          <p:nvCxnSpPr>
+            <p:cNvPr id="19" name="直線矢印コネクタ 18">
+              <a:extLst>
+                <a:ext uri="{FF2B5EF4-FFF2-40B4-BE49-F238E27FC236}">
+                  <a16:creationId xmlns:a16="http://schemas.microsoft.com/office/drawing/2014/main" id="{0C5AF3A5-C4E2-4289-9638-B775DAA956C2}"/>
+                </a:ext>
+              </a:extLst>
+            </p:cNvPr>
+            <p:cNvCxnSpPr>
+              <a:cxnSpLocks/>
+              <a:stCxn id="18" idx="3"/>
+            </p:cNvCxnSpPr>
+            <p:nvPr/>
+          </p:nvCxnSpPr>
+          <p:spPr>
+            <a:xfrm>
+              <a:off x="3102967" y="3251562"/>
+              <a:ext cx="432861" cy="319811"/>
+            </a:xfrm>
+            <a:prstGeom prst="straightConnector1">
+              <a:avLst/>
+            </a:prstGeom>
+            <a:ln w="12700">
+              <a:solidFill>
+                <a:schemeClr val="tx1"/>
+              </a:solidFill>
+              <a:tailEnd type="oval"/>
+            </a:ln>
+          </p:spPr>
+          <p:style>
+            <a:lnRef idx="1">
+              <a:schemeClr val="accent1"/>
+            </a:lnRef>
+            <a:fillRef idx="0">
+              <a:schemeClr val="accent1"/>
+            </a:fillRef>
+            <a:effectRef idx="0">
+              <a:schemeClr val="accent1"/>
+            </a:effectRef>
+            <a:fontRef idx="minor">
+              <a:schemeClr val="tx1"/>
+            </a:fontRef>
+          </p:style>
+        </p:cxnSp>
+        <p:cxnSp>
+          <p:nvCxnSpPr>
+            <p:cNvPr id="22" name="直線矢印コネクタ 21">
+              <a:extLst>
+                <a:ext uri="{FF2B5EF4-FFF2-40B4-BE49-F238E27FC236}">
+                  <a16:creationId xmlns:a16="http://schemas.microsoft.com/office/drawing/2014/main" id="{D791F4AE-F564-4FB2-B26C-423F98C53AE0}"/>
+                </a:ext>
+              </a:extLst>
+            </p:cNvPr>
+            <p:cNvCxnSpPr>
+              <a:cxnSpLocks/>
+              <a:stCxn id="23" idx="3"/>
+            </p:cNvCxnSpPr>
+            <p:nvPr/>
+          </p:nvCxnSpPr>
+          <p:spPr>
+            <a:xfrm flipV="1">
+              <a:off x="3846183" y="4781390"/>
+              <a:ext cx="543175" cy="802053"/>
+            </a:xfrm>
+            <a:prstGeom prst="straightConnector1">
+              <a:avLst/>
+            </a:prstGeom>
+            <a:ln w="12700">
+              <a:solidFill>
+                <a:schemeClr val="tx1"/>
+              </a:solidFill>
+              <a:tailEnd type="oval"/>
+            </a:ln>
+          </p:spPr>
+          <p:style>
+            <a:lnRef idx="1">
+              <a:schemeClr val="accent1"/>
+            </a:lnRef>
+            <a:fillRef idx="0">
+              <a:schemeClr val="accent1"/>
+            </a:fillRef>
+            <a:effectRef idx="0">
+              <a:schemeClr val="accent1"/>
+            </a:effectRef>
+            <a:fontRef idx="minor">
+              <a:schemeClr val="tx1"/>
+            </a:fontRef>
+          </p:style>
+        </p:cxnSp>
+        <p:sp>
+          <p:nvSpPr>
+            <p:cNvPr id="23" name="テキスト ボックス 22">
+              <a:extLst>
+                <a:ext uri="{FF2B5EF4-FFF2-40B4-BE49-F238E27FC236}">
+                  <a16:creationId xmlns:a16="http://schemas.microsoft.com/office/drawing/2014/main" id="{8A1D6EF7-3611-434B-AB10-2D0494FF5C5C}"/>
+                </a:ext>
+              </a:extLst>
+            </p:cNvPr>
+            <p:cNvSpPr txBox="1"/>
+            <p:nvPr/>
+          </p:nvSpPr>
+          <p:spPr>
+            <a:xfrm>
+              <a:off x="1871916" y="5284527"/>
+              <a:ext cx="1974267" cy="597831"/>
+            </a:xfrm>
+            <a:prstGeom prst="rect">
+              <a:avLst/>
+            </a:prstGeom>
+            <a:solidFill>
+              <a:srgbClr val="00B0F0">
+                <a:alpha val="40000"/>
+              </a:srgbClr>
+            </a:solidFill>
+            <a:ln>
+              <a:solidFill>
+                <a:schemeClr val="tx1"/>
+              </a:solidFill>
+            </a:ln>
+          </p:spPr>
+          <p:txBody>
+            <a:bodyPr wrap="square" rtlCol="0">
+              <a:noAutofit/>
+            </a:bodyPr>
+            <a:lstStyle/>
+            <a:p>
+              <a:r>
+                <a:rPr lang="en-US" altLang="ja-JP" sz="800" dirty="0">
+                  <a:latin typeface="Arial" panose="020B0604020202020204" pitchFamily="34" charset="0"/>
+                  <a:cs typeface="Arial" panose="020B0604020202020204" pitchFamily="34" charset="0"/>
+                </a:rPr>
+                <a:t>Pressure ratio; </a:t>
+              </a:r>
+            </a:p>
+            <a:p>
+              <a:r>
+                <a:rPr lang="en-US" altLang="ja-JP" sz="800" dirty="0">
+                  <a:latin typeface="Arial" panose="020B0604020202020204" pitchFamily="34" charset="0"/>
+                  <a:cs typeface="Arial" panose="020B0604020202020204" pitchFamily="34" charset="0"/>
+                </a:rPr>
+                <a:t>input (use “connect” operator),</a:t>
+              </a:r>
+            </a:p>
+            <a:p>
+              <a:r>
+                <a:rPr lang="en-US" altLang="ja-JP" sz="800" dirty="0">
+                  <a:latin typeface="Arial" panose="020B0604020202020204" pitchFamily="34" charset="0"/>
+                  <a:cs typeface="Arial" panose="020B0604020202020204" pitchFamily="34" charset="0"/>
+                </a:rPr>
+                <a:t>valid only when </a:t>
+              </a:r>
+              <a:r>
+                <a:rPr lang="en-US" altLang="ja-JP" sz="800" dirty="0" err="1">
+                  <a:latin typeface="Arial" panose="020B0604020202020204" pitchFamily="34" charset="0"/>
+                  <a:cs typeface="Arial" panose="020B0604020202020204" pitchFamily="34" charset="0"/>
+                </a:rPr>
+                <a:t>switchDetermine_PR</a:t>
+              </a:r>
+              <a:r>
+                <a:rPr lang="en-US" altLang="ja-JP" sz="800" dirty="0">
+                  <a:latin typeface="Arial" panose="020B0604020202020204" pitchFamily="34" charset="0"/>
+                  <a:cs typeface="Arial" panose="020B0604020202020204" pitchFamily="34" charset="0"/>
+                </a:rPr>
+                <a:t>==</a:t>
+              </a:r>
+              <a:r>
+                <a:rPr lang="en-US" altLang="ja-JP" sz="800" dirty="0" err="1">
+                  <a:latin typeface="Arial" panose="020B0604020202020204" pitchFamily="34" charset="0"/>
+                  <a:cs typeface="Arial" panose="020B0604020202020204" pitchFamily="34" charset="0"/>
+                </a:rPr>
+                <a:t>viaRealInput</a:t>
+              </a:r>
+              <a:endParaRPr lang="ja-JP" altLang="en-US" sz="800" dirty="0">
                 <a:latin typeface="Arial" panose="020B0604020202020204" pitchFamily="34" charset="0"/>
                 <a:cs typeface="Arial" panose="020B0604020202020204" pitchFamily="34" charset="0"/>
-              </a:rPr>
-              <a:t> “connect” operator)</a:t>
-            </a:r>
-            <a:endParaRPr kumimoji="1" lang="ja-JP" altLang="en-US" sz="800" dirty="0">
-              <a:latin typeface="Arial" panose="020B0604020202020204" pitchFamily="34" charset="0"/>
-              <a:cs typeface="Arial" panose="020B0604020202020204" pitchFamily="34" charset="0"/>
-            </a:endParaRPr>
-          </a:p>
-        </p:txBody>
-      </p:sp>
-      <p:cxnSp>
-        <p:nvCxnSpPr>
-          <p:cNvPr id="4" name="直線矢印コネクタ 3">
-            <a:extLst>
-              <a:ext uri="{FF2B5EF4-FFF2-40B4-BE49-F238E27FC236}">
-                <a16:creationId xmlns:a16="http://schemas.microsoft.com/office/drawing/2014/main" id="{48DBC07D-4786-49E2-9462-AB708F34107C}"/>
-              </a:ext>
-            </a:extLst>
-          </p:cNvPr>
-          <p:cNvCxnSpPr>
-            <a:stCxn id="3" idx="3"/>
-          </p:cNvCxnSpPr>
-          <p:nvPr/>
-        </p:nvCxnSpPr>
-        <p:spPr>
-          <a:xfrm>
-            <a:off x="2119554" y="1770471"/>
-            <a:ext cx="680620" cy="59000"/>
-          </a:xfrm>
-          <a:prstGeom prst="straightConnector1">
-            <a:avLst/>
-          </a:prstGeom>
-          <a:ln w="12700">
+              </a:endParaRPr>
+            </a:p>
+          </p:txBody>
+        </p:sp>
+        <p:sp>
+          <p:nvSpPr>
+            <p:cNvPr id="27" name="テキスト ボックス 26">
+              <a:extLst>
+                <a:ext uri="{FF2B5EF4-FFF2-40B4-BE49-F238E27FC236}">
+                  <a16:creationId xmlns:a16="http://schemas.microsoft.com/office/drawing/2014/main" id="{7188A753-4F6E-49B5-B881-5101713E5BAB}"/>
+                </a:ext>
+              </a:extLst>
+            </p:cNvPr>
+            <p:cNvSpPr txBox="1"/>
+            <p:nvPr/>
+          </p:nvSpPr>
+          <p:spPr>
+            <a:xfrm>
+              <a:off x="4226874" y="5317069"/>
+              <a:ext cx="1849118" cy="597830"/>
+            </a:xfrm>
+            <a:prstGeom prst="rect">
+              <a:avLst/>
+            </a:prstGeom>
             <a:solidFill>
-              <a:schemeClr val="tx1"/>
+              <a:srgbClr val="00B0F0">
+                <a:alpha val="40000"/>
+              </a:srgbClr>
             </a:solidFill>
-            <a:tailEnd type="oval"/>
-          </a:ln>
-        </p:spPr>
-        <p:style>
-          <a:lnRef idx="1">
-            <a:schemeClr val="accent1"/>
-          </a:lnRef>
-          <a:fillRef idx="0">
-            <a:schemeClr val="accent1"/>
-          </a:fillRef>
-          <a:effectRef idx="0">
-            <a:schemeClr val="accent1"/>
-          </a:effectRef>
-          <a:fontRef idx="minor">
-            <a:schemeClr val="tx1"/>
-          </a:fontRef>
-        </p:style>
-      </p:cxnSp>
-      <p:sp>
-        <p:nvSpPr>
-          <p:cNvPr id="5" name="テキスト ボックス 4">
-            <a:extLst>
-              <a:ext uri="{FF2B5EF4-FFF2-40B4-BE49-F238E27FC236}">
-                <a16:creationId xmlns:a16="http://schemas.microsoft.com/office/drawing/2014/main" id="{E3719DAC-1B0A-4E2B-838F-0DBC1E6675FC}"/>
-              </a:ext>
-            </a:extLst>
-          </p:cNvPr>
-          <p:cNvSpPr txBox="1"/>
-          <p:nvPr/>
-        </p:nvSpPr>
-        <p:spPr>
-          <a:xfrm>
-            <a:off x="7519657" y="1304585"/>
-            <a:ext cx="1144630" cy="465885"/>
-          </a:xfrm>
-          <a:prstGeom prst="rect">
-            <a:avLst/>
-          </a:prstGeom>
-          <a:solidFill>
-            <a:srgbClr val="92D050">
-              <a:alpha val="40000"/>
-            </a:srgbClr>
-          </a:solidFill>
-          <a:ln>
-            <a:solidFill>
-              <a:schemeClr val="tx1"/>
-            </a:solidFill>
-          </a:ln>
-        </p:spPr>
-        <p:txBody>
-          <a:bodyPr wrap="square" rtlCol="0">
-            <a:noAutofit/>
-          </a:bodyPr>
-          <a:lstStyle/>
-          <a:p>
-            <a:r>
-              <a:rPr lang="en-US" altLang="ja-JP" sz="800" dirty="0">
+            <a:ln>
+              <a:solidFill>
+                <a:schemeClr val="tx1"/>
+              </a:solidFill>
+            </a:ln>
+          </p:spPr>
+          <p:txBody>
+            <a:bodyPr wrap="square" rtlCol="0">
+              <a:noAutofit/>
+            </a:bodyPr>
+            <a:lstStyle/>
+            <a:p>
+              <a:r>
+                <a:rPr lang="en-US" altLang="ja-JP" sz="800" dirty="0">
+                  <a:latin typeface="Arial" panose="020B0604020202020204" pitchFamily="34" charset="0"/>
+                  <a:cs typeface="Arial" panose="020B0604020202020204" pitchFamily="34" charset="0"/>
+                </a:rPr>
+                <a:t>Efficiency; </a:t>
+              </a:r>
+            </a:p>
+            <a:p>
+              <a:r>
+                <a:rPr lang="en-US" altLang="ja-JP" sz="800" dirty="0">
+                  <a:latin typeface="Arial" panose="020B0604020202020204" pitchFamily="34" charset="0"/>
+                  <a:cs typeface="Arial" panose="020B0604020202020204" pitchFamily="34" charset="0"/>
+                </a:rPr>
+                <a:t>input (use “connect” operator),</a:t>
+              </a:r>
+            </a:p>
+            <a:p>
+              <a:r>
+                <a:rPr lang="en-US" altLang="ja-JP" sz="800" dirty="0">
+                  <a:latin typeface="Arial" panose="020B0604020202020204" pitchFamily="34" charset="0"/>
+                  <a:cs typeface="Arial" panose="020B0604020202020204" pitchFamily="34" charset="0"/>
+                </a:rPr>
+                <a:t>valid only when </a:t>
+              </a:r>
+              <a:r>
+                <a:rPr lang="en-US" altLang="ja-JP" sz="800" dirty="0" err="1">
+                  <a:latin typeface="Arial" panose="020B0604020202020204" pitchFamily="34" charset="0"/>
+                  <a:cs typeface="Arial" panose="020B0604020202020204" pitchFamily="34" charset="0"/>
+                </a:rPr>
+                <a:t>switchDetermine_eff</a:t>
+              </a:r>
+              <a:r>
+                <a:rPr lang="en-US" altLang="ja-JP" sz="800" dirty="0">
+                  <a:latin typeface="Arial" panose="020B0604020202020204" pitchFamily="34" charset="0"/>
+                  <a:cs typeface="Arial" panose="020B0604020202020204" pitchFamily="34" charset="0"/>
+                </a:rPr>
+                <a:t>==</a:t>
+              </a:r>
+              <a:r>
+                <a:rPr lang="en-US" altLang="ja-JP" sz="800" dirty="0" err="1">
+                  <a:latin typeface="Arial" panose="020B0604020202020204" pitchFamily="34" charset="0"/>
+                  <a:cs typeface="Arial" panose="020B0604020202020204" pitchFamily="34" charset="0"/>
+                </a:rPr>
+                <a:t>viaRealInput</a:t>
+              </a:r>
+              <a:endParaRPr lang="ja-JP" altLang="en-US" sz="800" dirty="0">
                 <a:latin typeface="Arial" panose="020B0604020202020204" pitchFamily="34" charset="0"/>
                 <a:cs typeface="Arial" panose="020B0604020202020204" pitchFamily="34" charset="0"/>
-              </a:rPr>
-              <a:t>Fluid outlet port</a:t>
-            </a:r>
-            <a:r>
-              <a:rPr kumimoji="1" lang="en-US" altLang="ja-JP" sz="800" dirty="0">
-                <a:latin typeface="Arial" panose="020B0604020202020204" pitchFamily="34" charset="0"/>
-                <a:cs typeface="Arial" panose="020B0604020202020204" pitchFamily="34" charset="0"/>
-              </a:rPr>
-              <a:t>, </a:t>
-            </a:r>
-            <a:r>
-              <a:rPr kumimoji="1" lang="en-US" altLang="ja-JP" sz="800" dirty="0" err="1">
-                <a:latin typeface="Arial" panose="020B0604020202020204" pitchFamily="34" charset="0"/>
-                <a:cs typeface="Arial" panose="020B0604020202020204" pitchFamily="34" charset="0"/>
-              </a:rPr>
-              <a:t>input&amp;output</a:t>
-            </a:r>
-            <a:r>
-              <a:rPr kumimoji="1" lang="en-US" altLang="ja-JP" sz="800" dirty="0">
-                <a:latin typeface="Arial" panose="020B0604020202020204" pitchFamily="34" charset="0"/>
-                <a:cs typeface="Arial" panose="020B0604020202020204" pitchFamily="34" charset="0"/>
-              </a:rPr>
-              <a:t> (</a:t>
-            </a:r>
-            <a:r>
-              <a:rPr lang="en-US" altLang="ja-JP" sz="800" dirty="0">
-                <a:latin typeface="Arial" panose="020B0604020202020204" pitchFamily="34" charset="0"/>
-                <a:cs typeface="Arial" panose="020B0604020202020204" pitchFamily="34" charset="0"/>
-              </a:rPr>
-              <a:t>use</a:t>
-            </a:r>
-            <a:r>
-              <a:rPr kumimoji="1" lang="en-US" altLang="ja-JP" sz="800" dirty="0">
-                <a:latin typeface="Arial" panose="020B0604020202020204" pitchFamily="34" charset="0"/>
-                <a:cs typeface="Arial" panose="020B0604020202020204" pitchFamily="34" charset="0"/>
-              </a:rPr>
-              <a:t> “connect” operator)</a:t>
-            </a:r>
-            <a:endParaRPr kumimoji="1" lang="ja-JP" altLang="en-US" sz="800" dirty="0">
-              <a:latin typeface="Arial" panose="020B0604020202020204" pitchFamily="34" charset="0"/>
-              <a:cs typeface="Arial" panose="020B0604020202020204" pitchFamily="34" charset="0"/>
-            </a:endParaRPr>
-          </a:p>
-        </p:txBody>
-      </p:sp>
-      <p:cxnSp>
-        <p:nvCxnSpPr>
-          <p:cNvPr id="6" name="直線矢印コネクタ 5">
-            <a:extLst>
-              <a:ext uri="{FF2B5EF4-FFF2-40B4-BE49-F238E27FC236}">
-                <a16:creationId xmlns:a16="http://schemas.microsoft.com/office/drawing/2014/main" id="{28896C70-0347-4DEE-AF97-4EF0359A8894}"/>
-              </a:ext>
-            </a:extLst>
-          </p:cNvPr>
-          <p:cNvCxnSpPr>
-            <a:cxnSpLocks/>
-            <a:stCxn id="5" idx="1"/>
-          </p:cNvCxnSpPr>
-          <p:nvPr/>
-        </p:nvCxnSpPr>
-        <p:spPr>
-          <a:xfrm flipH="1">
-            <a:off x="7001933" y="1537528"/>
-            <a:ext cx="517724" cy="384405"/>
-          </a:xfrm>
-          <a:prstGeom prst="straightConnector1">
-            <a:avLst/>
-          </a:prstGeom>
-          <a:ln w="12700">
-            <a:solidFill>
+              </a:endParaRPr>
+            </a:p>
+          </p:txBody>
+        </p:sp>
+        <p:cxnSp>
+          <p:nvCxnSpPr>
+            <p:cNvPr id="28" name="直線矢印コネクタ 27">
+              <a:extLst>
+                <a:ext uri="{FF2B5EF4-FFF2-40B4-BE49-F238E27FC236}">
+                  <a16:creationId xmlns:a16="http://schemas.microsoft.com/office/drawing/2014/main" id="{8F6AFBD0-75DF-40F9-8F32-442CAAE5285D}"/>
+                </a:ext>
+              </a:extLst>
+            </p:cNvPr>
+            <p:cNvCxnSpPr>
+              <a:cxnSpLocks/>
+              <a:stCxn id="27" idx="0"/>
+            </p:cNvCxnSpPr>
+            <p:nvPr/>
+          </p:nvCxnSpPr>
+          <p:spPr>
+            <a:xfrm flipH="1" flipV="1">
+              <a:off x="4932993" y="4467101"/>
+              <a:ext cx="218440" cy="849968"/>
+            </a:xfrm>
+            <a:prstGeom prst="straightConnector1">
+              <a:avLst/>
+            </a:prstGeom>
+            <a:ln w="12700">
+              <a:solidFill>
+                <a:schemeClr val="tx1"/>
+              </a:solidFill>
+              <a:tailEnd type="oval"/>
+            </a:ln>
+          </p:spPr>
+          <p:style>
+            <a:lnRef idx="1">
+              <a:schemeClr val="accent1"/>
+            </a:lnRef>
+            <a:fillRef idx="0">
+              <a:schemeClr val="accent1"/>
+            </a:fillRef>
+            <a:effectRef idx="0">
+              <a:schemeClr val="accent1"/>
+            </a:effectRef>
+            <a:fontRef idx="minor">
               <a:schemeClr val="tx1"/>
-            </a:solidFill>
-            <a:tailEnd type="oval"/>
-          </a:ln>
-        </p:spPr>
-        <p:style>
-          <a:lnRef idx="1">
-            <a:schemeClr val="accent1"/>
-          </a:lnRef>
-          <a:fillRef idx="0">
-            <a:schemeClr val="accent1"/>
-          </a:fillRef>
-          <a:effectRef idx="0">
-            <a:schemeClr val="accent1"/>
-          </a:effectRef>
-          <a:fontRef idx="minor">
-            <a:schemeClr val="tx1"/>
-          </a:fontRef>
-        </p:style>
-      </p:cxnSp>
-      <p:sp>
-        <p:nvSpPr>
-          <p:cNvPr id="9" name="テキスト ボックス 8">
-            <a:extLst>
-              <a:ext uri="{FF2B5EF4-FFF2-40B4-BE49-F238E27FC236}">
-                <a16:creationId xmlns:a16="http://schemas.microsoft.com/office/drawing/2014/main" id="{1C438550-FFFD-4501-AA79-DB60AA16A9BA}"/>
-              </a:ext>
-            </a:extLst>
-          </p:cNvPr>
-          <p:cNvSpPr txBox="1"/>
-          <p:nvPr/>
-        </p:nvSpPr>
-        <p:spPr>
-          <a:xfrm>
-            <a:off x="6690020" y="5958539"/>
-            <a:ext cx="1974267" cy="763994"/>
-          </a:xfrm>
-          <a:prstGeom prst="rect">
-            <a:avLst/>
-          </a:prstGeom>
-          <a:solidFill>
-            <a:srgbClr val="92D050">
-              <a:alpha val="40000"/>
-            </a:srgbClr>
-          </a:solidFill>
-          <a:ln>
-            <a:solidFill>
-              <a:schemeClr val="tx1"/>
-            </a:solidFill>
-          </a:ln>
-        </p:spPr>
-        <p:txBody>
-          <a:bodyPr wrap="square" rtlCol="0">
-            <a:noAutofit/>
-          </a:bodyPr>
-          <a:lstStyle/>
-          <a:p>
-            <a:r>
-              <a:rPr lang="en-US" altLang="ja-JP" sz="800" dirty="0">
-                <a:latin typeface="Arial" panose="020B0604020202020204" pitchFamily="34" charset="0"/>
-                <a:cs typeface="Arial" panose="020B0604020202020204" pitchFamily="34" charset="0"/>
-              </a:rPr>
-              <a:t>Expandable connector prepared for communication with internal variables which cannot be accessed by other ports, </a:t>
-            </a:r>
-          </a:p>
-          <a:p>
-            <a:r>
-              <a:rPr lang="en-US" altLang="ja-JP" sz="800" dirty="0" err="1">
-                <a:latin typeface="Arial" panose="020B0604020202020204" pitchFamily="34" charset="0"/>
-                <a:cs typeface="Arial" panose="020B0604020202020204" pitchFamily="34" charset="0"/>
-              </a:rPr>
-              <a:t>input&amp;output</a:t>
-            </a:r>
-            <a:r>
-              <a:rPr lang="en-US" altLang="ja-JP" sz="800" dirty="0">
-                <a:latin typeface="Arial" panose="020B0604020202020204" pitchFamily="34" charset="0"/>
-                <a:cs typeface="Arial" panose="020B0604020202020204" pitchFamily="34" charset="0"/>
-              </a:rPr>
-              <a:t>  (use “connect” operator)</a:t>
-            </a:r>
-            <a:endParaRPr lang="ja-JP" altLang="en-US" sz="800" dirty="0">
-              <a:latin typeface="Arial" panose="020B0604020202020204" pitchFamily="34" charset="0"/>
-              <a:cs typeface="Arial" panose="020B0604020202020204" pitchFamily="34" charset="0"/>
-            </a:endParaRPr>
-          </a:p>
-        </p:txBody>
-      </p:sp>
-      <p:cxnSp>
-        <p:nvCxnSpPr>
-          <p:cNvPr id="10" name="直線矢印コネクタ 9">
-            <a:extLst>
-              <a:ext uri="{FF2B5EF4-FFF2-40B4-BE49-F238E27FC236}">
-                <a16:creationId xmlns:a16="http://schemas.microsoft.com/office/drawing/2014/main" id="{18855AAA-DAAE-4D56-BE62-6171413323EA}"/>
-              </a:ext>
-            </a:extLst>
-          </p:cNvPr>
-          <p:cNvCxnSpPr>
-            <a:cxnSpLocks/>
-            <a:stCxn id="9" idx="0"/>
-          </p:cNvCxnSpPr>
-          <p:nvPr/>
-        </p:nvCxnSpPr>
-        <p:spPr>
-          <a:xfrm flipH="1" flipV="1">
-            <a:off x="6519334" y="5723467"/>
-            <a:ext cx="1157820" cy="235072"/>
-          </a:xfrm>
-          <a:prstGeom prst="straightConnector1">
-            <a:avLst/>
-          </a:prstGeom>
-          <a:ln w="12700">
-            <a:solidFill>
-              <a:schemeClr val="tx1"/>
-            </a:solidFill>
-            <a:tailEnd type="oval"/>
-          </a:ln>
-        </p:spPr>
-        <p:style>
-          <a:lnRef idx="1">
-            <a:schemeClr val="accent1"/>
-          </a:lnRef>
-          <a:fillRef idx="0">
-            <a:schemeClr val="accent1"/>
-          </a:fillRef>
-          <a:effectRef idx="0">
-            <a:schemeClr val="accent1"/>
-          </a:effectRef>
-          <a:fontRef idx="minor">
-            <a:schemeClr val="tx1"/>
-          </a:fontRef>
-        </p:style>
-      </p:cxnSp>
+            </a:fontRef>
+          </p:style>
+        </p:cxnSp>
+      </p:grpSp>
     </p:spTree>
     <p:extLst>
       <p:ext uri="{BB962C8B-B14F-4D97-AF65-F5344CB8AC3E}">

--- a/figs/makeFig.pptx
+++ b/figs/makeFig.pptx
@@ -15,6 +15,15 @@
     <p:sldId id="263" r:id="rId9"/>
     <p:sldId id="264" r:id="rId10"/>
     <p:sldId id="265" r:id="rId11"/>
+    <p:sldId id="275" r:id="rId12"/>
+    <p:sldId id="266" r:id="rId13"/>
+    <p:sldId id="267" r:id="rId14"/>
+    <p:sldId id="268" r:id="rId15"/>
+    <p:sldId id="269" r:id="rId16"/>
+    <p:sldId id="270" r:id="rId17"/>
+    <p:sldId id="271" r:id="rId18"/>
+    <p:sldId id="272" r:id="rId19"/>
+    <p:sldId id="273" r:id="rId20"/>
   </p:sldIdLst>
   <p:sldSz cx="10080625" cy="7559675"/>
   <p:notesSz cx="7559675" cy="10691813"/>
@@ -2921,10 +2930,1488 @@
           <a:chExt cx="0" cy="0"/>
         </a:xfrm>
       </p:grpSpPr>
+      <p:pic>
+        <p:nvPicPr>
+          <p:cNvPr id="2" name="図 1">
+            <a:extLst>
+              <a:ext uri="{FF2B5EF4-FFF2-40B4-BE49-F238E27FC236}">
+                <a16:creationId xmlns:a16="http://schemas.microsoft.com/office/drawing/2014/main" id="{D7F5EB6B-FB6C-4AC7-923F-274B9BEEC9DD}"/>
+              </a:ext>
+            </a:extLst>
+          </p:cNvPr>
+          <p:cNvPicPr>
+            <a:picLocks noChangeAspect="1"/>
+          </p:cNvPicPr>
+          <p:nvPr/>
+        </p:nvPicPr>
+        <p:blipFill>
+          <a:blip r:embed="rId2"/>
+          <a:stretch>
+            <a:fillRect/>
+          </a:stretch>
+        </p:blipFill>
+        <p:spPr>
+          <a:xfrm>
+            <a:off x="0" y="0"/>
+            <a:ext cx="4553423" cy="4664005"/>
+          </a:xfrm>
+          <a:prstGeom prst="rect">
+            <a:avLst/>
+          </a:prstGeom>
+        </p:spPr>
+      </p:pic>
+      <p:pic>
+        <p:nvPicPr>
+          <p:cNvPr id="4" name="図 3">
+            <a:extLst>
+              <a:ext uri="{FF2B5EF4-FFF2-40B4-BE49-F238E27FC236}">
+                <a16:creationId xmlns:a16="http://schemas.microsoft.com/office/drawing/2014/main" id="{F7D12B61-98A7-4F41-BF46-4CFEC0BA37C2}"/>
+              </a:ext>
+            </a:extLst>
+          </p:cNvPr>
+          <p:cNvPicPr>
+            <a:picLocks noChangeAspect="1"/>
+          </p:cNvPicPr>
+          <p:nvPr/>
+        </p:nvPicPr>
+        <p:blipFill>
+          <a:blip r:embed="rId3"/>
+          <a:stretch>
+            <a:fillRect/>
+          </a:stretch>
+        </p:blipFill>
+        <p:spPr>
+          <a:xfrm>
+            <a:off x="4738608" y="3365431"/>
+            <a:ext cx="5184397" cy="3961477"/>
+          </a:xfrm>
+          <a:prstGeom prst="rect">
+            <a:avLst/>
+          </a:prstGeom>
+        </p:spPr>
+      </p:pic>
     </p:spTree>
     <p:extLst>
       <p:ext uri="{BB962C8B-B14F-4D97-AF65-F5344CB8AC3E}">
         <p14:creationId xmlns:p14="http://schemas.microsoft.com/office/powerpoint/2010/main" val="184733642"/>
+      </p:ext>
+    </p:extLst>
+  </p:cSld>
+  <p:clrMapOvr>
+    <a:masterClrMapping/>
+  </p:clrMapOvr>
+</p:sld>
+</file>
+
+<file path=ppt/slides/slide11.xml><?xml version="1.0" encoding="utf-8"?>
+<p:sld xmlns:a="http://schemas.openxmlformats.org/drawingml/2006/main" xmlns:r="http://schemas.openxmlformats.org/officeDocument/2006/relationships" xmlns:p="http://schemas.openxmlformats.org/presentationml/2006/main">
+  <p:cSld>
+    <p:spTree>
+      <p:nvGrpSpPr>
+        <p:cNvPr id="1" name=""/>
+        <p:cNvGrpSpPr/>
+        <p:nvPr/>
+      </p:nvGrpSpPr>
+      <p:grpSpPr>
+        <a:xfrm>
+          <a:off x="0" y="0"/>
+          <a:ext cx="0" cy="0"/>
+          <a:chOff x="0" y="0"/>
+          <a:chExt cx="0" cy="0"/>
+        </a:xfrm>
+      </p:grpSpPr>
+      <p:pic>
+        <p:nvPicPr>
+          <p:cNvPr id="2" name="図 1">
+            <a:extLst>
+              <a:ext uri="{FF2B5EF4-FFF2-40B4-BE49-F238E27FC236}">
+                <a16:creationId xmlns:a16="http://schemas.microsoft.com/office/drawing/2014/main" id="{C7A3C467-7D5C-48C4-BE4B-3AD3A477CA72}"/>
+              </a:ext>
+            </a:extLst>
+          </p:cNvPr>
+          <p:cNvPicPr>
+            <a:picLocks noChangeAspect="1"/>
+          </p:cNvPicPr>
+          <p:nvPr/>
+        </p:nvPicPr>
+        <p:blipFill>
+          <a:blip r:embed="rId2"/>
+          <a:stretch>
+            <a:fillRect/>
+          </a:stretch>
+        </p:blipFill>
+        <p:spPr>
+          <a:xfrm>
+            <a:off x="0" y="0"/>
+            <a:ext cx="4757708" cy="4257746"/>
+          </a:xfrm>
+          <a:prstGeom prst="rect">
+            <a:avLst/>
+          </a:prstGeom>
+        </p:spPr>
+      </p:pic>
+      <p:pic>
+        <p:nvPicPr>
+          <p:cNvPr id="3" name="図 2">
+            <a:extLst>
+              <a:ext uri="{FF2B5EF4-FFF2-40B4-BE49-F238E27FC236}">
+                <a16:creationId xmlns:a16="http://schemas.microsoft.com/office/drawing/2014/main" id="{E06809B2-4FAC-4D16-BC64-AF106CE84FA5}"/>
+              </a:ext>
+            </a:extLst>
+          </p:cNvPr>
+          <p:cNvPicPr>
+            <a:picLocks noChangeAspect="1"/>
+          </p:cNvPicPr>
+          <p:nvPr/>
+        </p:nvPicPr>
+        <p:blipFill>
+          <a:blip r:embed="rId3"/>
+          <a:stretch>
+            <a:fillRect/>
+          </a:stretch>
+        </p:blipFill>
+        <p:spPr>
+          <a:xfrm>
+            <a:off x="5192688" y="2980228"/>
+            <a:ext cx="4650871" cy="4267239"/>
+          </a:xfrm>
+          <a:prstGeom prst="rect">
+            <a:avLst/>
+          </a:prstGeom>
+        </p:spPr>
+      </p:pic>
+    </p:spTree>
+    <p:extLst>
+      <p:ext uri="{BB962C8B-B14F-4D97-AF65-F5344CB8AC3E}">
+        <p14:creationId xmlns:p14="http://schemas.microsoft.com/office/powerpoint/2010/main" val="4234374249"/>
+      </p:ext>
+    </p:extLst>
+  </p:cSld>
+  <p:clrMapOvr>
+    <a:masterClrMapping/>
+  </p:clrMapOvr>
+</p:sld>
+</file>
+
+<file path=ppt/slides/slide12.xml><?xml version="1.0" encoding="utf-8"?>
+<p:sld xmlns:a="http://schemas.openxmlformats.org/drawingml/2006/main" xmlns:r="http://schemas.openxmlformats.org/officeDocument/2006/relationships" xmlns:p="http://schemas.openxmlformats.org/presentationml/2006/main">
+  <p:cSld>
+    <p:spTree>
+      <p:nvGrpSpPr>
+        <p:cNvPr id="1" name=""/>
+        <p:cNvGrpSpPr/>
+        <p:nvPr/>
+      </p:nvGrpSpPr>
+      <p:grpSpPr>
+        <a:xfrm>
+          <a:off x="0" y="0"/>
+          <a:ext cx="0" cy="0"/>
+          <a:chOff x="0" y="0"/>
+          <a:chExt cx="0" cy="0"/>
+        </a:xfrm>
+      </p:grpSpPr>
+      <p:pic>
+        <p:nvPicPr>
+          <p:cNvPr id="2" name="図 1">
+            <a:extLst>
+              <a:ext uri="{FF2B5EF4-FFF2-40B4-BE49-F238E27FC236}">
+                <a16:creationId xmlns:a16="http://schemas.microsoft.com/office/drawing/2014/main" id="{85C49054-2024-48C0-A378-F0988DA8509A}"/>
+              </a:ext>
+            </a:extLst>
+          </p:cNvPr>
+          <p:cNvPicPr>
+            <a:picLocks noChangeAspect="1"/>
+          </p:cNvPicPr>
+          <p:nvPr/>
+        </p:nvPicPr>
+        <p:blipFill>
+          <a:blip r:embed="rId2"/>
+          <a:stretch>
+            <a:fillRect/>
+          </a:stretch>
+        </p:blipFill>
+        <p:spPr>
+          <a:xfrm>
+            <a:off x="804779" y="822149"/>
+            <a:ext cx="4320000" cy="4125495"/>
+          </a:xfrm>
+          <a:prstGeom prst="rect">
+            <a:avLst/>
+          </a:prstGeom>
+        </p:spPr>
+      </p:pic>
+    </p:spTree>
+    <p:extLst>
+      <p:ext uri="{BB962C8B-B14F-4D97-AF65-F5344CB8AC3E}">
+        <p14:creationId xmlns:p14="http://schemas.microsoft.com/office/powerpoint/2010/main" val="2792906441"/>
+      </p:ext>
+    </p:extLst>
+  </p:cSld>
+  <p:clrMapOvr>
+    <a:masterClrMapping/>
+  </p:clrMapOvr>
+</p:sld>
+</file>
+
+<file path=ppt/slides/slide13.xml><?xml version="1.0" encoding="utf-8"?>
+<p:sld xmlns:a="http://schemas.openxmlformats.org/drawingml/2006/main" xmlns:r="http://schemas.openxmlformats.org/officeDocument/2006/relationships" xmlns:p="http://schemas.openxmlformats.org/presentationml/2006/main">
+  <p:cSld>
+    <p:spTree>
+      <p:nvGrpSpPr>
+        <p:cNvPr id="1" name=""/>
+        <p:cNvGrpSpPr/>
+        <p:nvPr/>
+      </p:nvGrpSpPr>
+      <p:grpSpPr>
+        <a:xfrm>
+          <a:off x="0" y="0"/>
+          <a:ext cx="0" cy="0"/>
+          <a:chOff x="0" y="0"/>
+          <a:chExt cx="0" cy="0"/>
+        </a:xfrm>
+      </p:grpSpPr>
+      <p:pic>
+        <p:nvPicPr>
+          <p:cNvPr id="2" name="図 1">
+            <a:extLst>
+              <a:ext uri="{FF2B5EF4-FFF2-40B4-BE49-F238E27FC236}">
+                <a16:creationId xmlns:a16="http://schemas.microsoft.com/office/drawing/2014/main" id="{D69AC53D-05D9-4D67-98FA-7A20100B179E}"/>
+              </a:ext>
+            </a:extLst>
+          </p:cNvPr>
+          <p:cNvPicPr>
+            <a:picLocks noChangeAspect="1"/>
+          </p:cNvPicPr>
+          <p:nvPr/>
+        </p:nvPicPr>
+        <p:blipFill>
+          <a:blip r:embed="rId2"/>
+          <a:stretch>
+            <a:fillRect/>
+          </a:stretch>
+        </p:blipFill>
+        <p:spPr>
+          <a:xfrm>
+            <a:off x="1626576" y="1161920"/>
+            <a:ext cx="5400000" cy="5003036"/>
+          </a:xfrm>
+          <a:prstGeom prst="rect">
+            <a:avLst/>
+          </a:prstGeom>
+        </p:spPr>
+      </p:pic>
+    </p:spTree>
+    <p:extLst>
+      <p:ext uri="{BB962C8B-B14F-4D97-AF65-F5344CB8AC3E}">
+        <p14:creationId xmlns:p14="http://schemas.microsoft.com/office/powerpoint/2010/main" val="3399080884"/>
+      </p:ext>
+    </p:extLst>
+  </p:cSld>
+  <p:clrMapOvr>
+    <a:masterClrMapping/>
+  </p:clrMapOvr>
+</p:sld>
+</file>
+
+<file path=ppt/slides/slide14.xml><?xml version="1.0" encoding="utf-8"?>
+<p:sld xmlns:a="http://schemas.openxmlformats.org/drawingml/2006/main" xmlns:r="http://schemas.openxmlformats.org/officeDocument/2006/relationships" xmlns:p="http://schemas.openxmlformats.org/presentationml/2006/main">
+  <p:cSld>
+    <p:spTree>
+      <p:nvGrpSpPr>
+        <p:cNvPr id="1" name=""/>
+        <p:cNvGrpSpPr/>
+        <p:nvPr/>
+      </p:nvGrpSpPr>
+      <p:grpSpPr>
+        <a:xfrm>
+          <a:off x="0" y="0"/>
+          <a:ext cx="0" cy="0"/>
+          <a:chOff x="0" y="0"/>
+          <a:chExt cx="0" cy="0"/>
+        </a:xfrm>
+      </p:grpSpPr>
+      <p:grpSp>
+        <p:nvGrpSpPr>
+          <p:cNvPr id="21" name="グループ化 20">
+            <a:extLst>
+              <a:ext uri="{FF2B5EF4-FFF2-40B4-BE49-F238E27FC236}">
+                <a16:creationId xmlns:a16="http://schemas.microsoft.com/office/drawing/2014/main" id="{E2299E5F-5C20-4CF4-A869-8243654FD6F1}"/>
+              </a:ext>
+            </a:extLst>
+          </p:cNvPr>
+          <p:cNvGrpSpPr/>
+          <p:nvPr/>
+        </p:nvGrpSpPr>
+        <p:grpSpPr>
+          <a:xfrm>
+            <a:off x="1602253" y="1840327"/>
+            <a:ext cx="6922612" cy="4240736"/>
+            <a:chOff x="1602253" y="1840327"/>
+            <a:chExt cx="6922612" cy="4240736"/>
+          </a:xfrm>
+        </p:grpSpPr>
+        <p:pic>
+          <p:nvPicPr>
+            <p:cNvPr id="18" name="図 17">
+              <a:extLst>
+                <a:ext uri="{FF2B5EF4-FFF2-40B4-BE49-F238E27FC236}">
+                  <a16:creationId xmlns:a16="http://schemas.microsoft.com/office/drawing/2014/main" id="{DACD0A27-C312-4C70-8127-A2643D08F5A6}"/>
+                </a:ext>
+              </a:extLst>
+            </p:cNvPr>
+            <p:cNvPicPr>
+              <a:picLocks noChangeAspect="1"/>
+            </p:cNvPicPr>
+            <p:nvPr/>
+          </p:nvPicPr>
+          <p:blipFill>
+            <a:blip r:embed="rId2"/>
+            <a:stretch>
+              <a:fillRect/>
+            </a:stretch>
+          </p:blipFill>
+          <p:spPr>
+            <a:xfrm>
+              <a:off x="3362341" y="2142982"/>
+              <a:ext cx="3245680" cy="3099545"/>
+            </a:xfrm>
+            <a:prstGeom prst="rect">
+              <a:avLst/>
+            </a:prstGeom>
+          </p:spPr>
+        </p:pic>
+        <p:grpSp>
+          <p:nvGrpSpPr>
+            <p:cNvPr id="2" name="グループ化 1">
+              <a:extLst>
+                <a:ext uri="{FF2B5EF4-FFF2-40B4-BE49-F238E27FC236}">
+                  <a16:creationId xmlns:a16="http://schemas.microsoft.com/office/drawing/2014/main" id="{25CC8C46-0445-4A45-8130-8A01E44B95E1}"/>
+                </a:ext>
+              </a:extLst>
+            </p:cNvPr>
+            <p:cNvGrpSpPr/>
+            <p:nvPr/>
+          </p:nvGrpSpPr>
+          <p:grpSpPr>
+            <a:xfrm>
+              <a:off x="1602253" y="1840327"/>
+              <a:ext cx="6922612" cy="4240736"/>
+              <a:chOff x="1602253" y="1840327"/>
+              <a:chExt cx="6922612" cy="4240736"/>
+            </a:xfrm>
+          </p:grpSpPr>
+          <p:sp>
+            <p:nvSpPr>
+              <p:cNvPr id="4" name="テキスト ボックス 3">
+                <a:extLst>
+                  <a:ext uri="{FF2B5EF4-FFF2-40B4-BE49-F238E27FC236}">
+                    <a16:creationId xmlns:a16="http://schemas.microsoft.com/office/drawing/2014/main" id="{CB1AC1FC-2DE2-4CCB-A8B2-1FF51D9CDD1B}"/>
+                  </a:ext>
+                </a:extLst>
+              </p:cNvPr>
+              <p:cNvSpPr txBox="1"/>
+              <p:nvPr/>
+            </p:nvSpPr>
+            <p:spPr>
+              <a:xfrm>
+                <a:off x="1831157" y="1840327"/>
+                <a:ext cx="1144630" cy="495547"/>
+              </a:xfrm>
+              <a:prstGeom prst="rect">
+                <a:avLst/>
+              </a:prstGeom>
+              <a:solidFill>
+                <a:srgbClr val="92D050">
+                  <a:alpha val="40000"/>
+                </a:srgbClr>
+              </a:solidFill>
+              <a:ln>
+                <a:solidFill>
+                  <a:schemeClr val="tx1"/>
+                </a:solidFill>
+              </a:ln>
+            </p:spPr>
+            <p:txBody>
+              <a:bodyPr wrap="square" rtlCol="0">
+                <a:noAutofit/>
+              </a:bodyPr>
+              <a:lstStyle/>
+              <a:p>
+                <a:r>
+                  <a:rPr lang="en-US" altLang="ja-JP" sz="800" dirty="0">
+                    <a:latin typeface="Arial" panose="020B0604020202020204" pitchFamily="34" charset="0"/>
+                    <a:cs typeface="Arial" panose="020B0604020202020204" pitchFamily="34" charset="0"/>
+                  </a:rPr>
+                  <a:t>Fluid inlet port</a:t>
+                </a:r>
+                <a:r>
+                  <a:rPr kumimoji="1" lang="en-US" altLang="ja-JP" sz="800" dirty="0">
+                    <a:latin typeface="Arial" panose="020B0604020202020204" pitchFamily="34" charset="0"/>
+                    <a:cs typeface="Arial" panose="020B0604020202020204" pitchFamily="34" charset="0"/>
+                  </a:rPr>
+                  <a:t>, </a:t>
+                </a:r>
+                <a:r>
+                  <a:rPr kumimoji="1" lang="en-US" altLang="ja-JP" sz="800" dirty="0" err="1">
+                    <a:latin typeface="Arial" panose="020B0604020202020204" pitchFamily="34" charset="0"/>
+                    <a:cs typeface="Arial" panose="020B0604020202020204" pitchFamily="34" charset="0"/>
+                  </a:rPr>
+                  <a:t>input&amp;output</a:t>
+                </a:r>
+                <a:r>
+                  <a:rPr kumimoji="1" lang="en-US" altLang="ja-JP" sz="800" dirty="0">
+                    <a:latin typeface="Arial" panose="020B0604020202020204" pitchFamily="34" charset="0"/>
+                    <a:cs typeface="Arial" panose="020B0604020202020204" pitchFamily="34" charset="0"/>
+                  </a:rPr>
+                  <a:t> (</a:t>
+                </a:r>
+                <a:r>
+                  <a:rPr lang="en-US" altLang="ja-JP" sz="800" dirty="0">
+                    <a:latin typeface="Arial" panose="020B0604020202020204" pitchFamily="34" charset="0"/>
+                    <a:cs typeface="Arial" panose="020B0604020202020204" pitchFamily="34" charset="0"/>
+                  </a:rPr>
+                  <a:t>use</a:t>
+                </a:r>
+                <a:r>
+                  <a:rPr kumimoji="1" lang="en-US" altLang="ja-JP" sz="800" dirty="0">
+                    <a:latin typeface="Arial" panose="020B0604020202020204" pitchFamily="34" charset="0"/>
+                    <a:cs typeface="Arial" panose="020B0604020202020204" pitchFamily="34" charset="0"/>
+                  </a:rPr>
+                  <a:t> “connect” operator)</a:t>
+                </a:r>
+                <a:endParaRPr kumimoji="1" lang="ja-JP" altLang="en-US" sz="800" dirty="0">
+                  <a:latin typeface="Arial" panose="020B0604020202020204" pitchFamily="34" charset="0"/>
+                  <a:cs typeface="Arial" panose="020B0604020202020204" pitchFamily="34" charset="0"/>
+                </a:endParaRPr>
+              </a:p>
+            </p:txBody>
+          </p:sp>
+          <p:cxnSp>
+            <p:nvCxnSpPr>
+              <p:cNvPr id="5" name="直線矢印コネクタ 4">
+                <a:extLst>
+                  <a:ext uri="{FF2B5EF4-FFF2-40B4-BE49-F238E27FC236}">
+                    <a16:creationId xmlns:a16="http://schemas.microsoft.com/office/drawing/2014/main" id="{DE1FFBAA-8FF0-4011-8F3F-F322080ED6F9}"/>
+                  </a:ext>
+                </a:extLst>
+              </p:cNvPr>
+              <p:cNvCxnSpPr>
+                <a:cxnSpLocks/>
+                <a:stCxn id="4" idx="3"/>
+              </p:cNvCxnSpPr>
+              <p:nvPr/>
+            </p:nvCxnSpPr>
+            <p:spPr>
+              <a:xfrm>
+                <a:off x="2975787" y="2088101"/>
+                <a:ext cx="495506" cy="394730"/>
+              </a:xfrm>
+              <a:prstGeom prst="straightConnector1">
+                <a:avLst/>
+              </a:prstGeom>
+              <a:ln w="12700">
+                <a:solidFill>
+                  <a:schemeClr val="tx1"/>
+                </a:solidFill>
+                <a:tailEnd type="oval"/>
+              </a:ln>
+            </p:spPr>
+            <p:style>
+              <a:lnRef idx="1">
+                <a:schemeClr val="accent1"/>
+              </a:lnRef>
+              <a:fillRef idx="0">
+                <a:schemeClr val="accent1"/>
+              </a:fillRef>
+              <a:effectRef idx="0">
+                <a:schemeClr val="accent1"/>
+              </a:effectRef>
+              <a:fontRef idx="minor">
+                <a:schemeClr val="tx1"/>
+              </a:fontRef>
+            </p:style>
+          </p:cxnSp>
+          <p:sp>
+            <p:nvSpPr>
+              <p:cNvPr id="6" name="テキスト ボックス 5">
+                <a:extLst>
+                  <a:ext uri="{FF2B5EF4-FFF2-40B4-BE49-F238E27FC236}">
+                    <a16:creationId xmlns:a16="http://schemas.microsoft.com/office/drawing/2014/main" id="{D79B900E-E2D1-4896-AA79-123F2FF3FDC4}"/>
+                  </a:ext>
+                </a:extLst>
+              </p:cNvPr>
+              <p:cNvSpPr txBox="1"/>
+              <p:nvPr/>
+            </p:nvSpPr>
+            <p:spPr>
+              <a:xfrm>
+                <a:off x="6884697" y="1840328"/>
+                <a:ext cx="1144630" cy="465885"/>
+              </a:xfrm>
+              <a:prstGeom prst="rect">
+                <a:avLst/>
+              </a:prstGeom>
+              <a:solidFill>
+                <a:srgbClr val="92D050">
+                  <a:alpha val="40000"/>
+                </a:srgbClr>
+              </a:solidFill>
+              <a:ln>
+                <a:solidFill>
+                  <a:schemeClr val="tx1"/>
+                </a:solidFill>
+              </a:ln>
+            </p:spPr>
+            <p:txBody>
+              <a:bodyPr wrap="square" rtlCol="0">
+                <a:noAutofit/>
+              </a:bodyPr>
+              <a:lstStyle/>
+              <a:p>
+                <a:r>
+                  <a:rPr lang="en-US" altLang="ja-JP" sz="800" dirty="0">
+                    <a:latin typeface="Arial" panose="020B0604020202020204" pitchFamily="34" charset="0"/>
+                    <a:cs typeface="Arial" panose="020B0604020202020204" pitchFamily="34" charset="0"/>
+                  </a:rPr>
+                  <a:t>Fluid outlet port</a:t>
+                </a:r>
+                <a:r>
+                  <a:rPr kumimoji="1" lang="en-US" altLang="ja-JP" sz="800" dirty="0">
+                    <a:latin typeface="Arial" panose="020B0604020202020204" pitchFamily="34" charset="0"/>
+                    <a:cs typeface="Arial" panose="020B0604020202020204" pitchFamily="34" charset="0"/>
+                  </a:rPr>
+                  <a:t>, </a:t>
+                </a:r>
+                <a:r>
+                  <a:rPr kumimoji="1" lang="en-US" altLang="ja-JP" sz="800" dirty="0" err="1">
+                    <a:latin typeface="Arial" panose="020B0604020202020204" pitchFamily="34" charset="0"/>
+                    <a:cs typeface="Arial" panose="020B0604020202020204" pitchFamily="34" charset="0"/>
+                  </a:rPr>
+                  <a:t>input&amp;output</a:t>
+                </a:r>
+                <a:r>
+                  <a:rPr kumimoji="1" lang="en-US" altLang="ja-JP" sz="800" dirty="0">
+                    <a:latin typeface="Arial" panose="020B0604020202020204" pitchFamily="34" charset="0"/>
+                    <a:cs typeface="Arial" panose="020B0604020202020204" pitchFamily="34" charset="0"/>
+                  </a:rPr>
+                  <a:t> (</a:t>
+                </a:r>
+                <a:r>
+                  <a:rPr lang="en-US" altLang="ja-JP" sz="800" dirty="0">
+                    <a:latin typeface="Arial" panose="020B0604020202020204" pitchFamily="34" charset="0"/>
+                    <a:cs typeface="Arial" panose="020B0604020202020204" pitchFamily="34" charset="0"/>
+                  </a:rPr>
+                  <a:t>use</a:t>
+                </a:r>
+                <a:r>
+                  <a:rPr kumimoji="1" lang="en-US" altLang="ja-JP" sz="800" dirty="0">
+                    <a:latin typeface="Arial" panose="020B0604020202020204" pitchFamily="34" charset="0"/>
+                    <a:cs typeface="Arial" panose="020B0604020202020204" pitchFamily="34" charset="0"/>
+                  </a:rPr>
+                  <a:t> “connect” operator)</a:t>
+                </a:r>
+                <a:endParaRPr kumimoji="1" lang="ja-JP" altLang="en-US" sz="800" dirty="0">
+                  <a:latin typeface="Arial" panose="020B0604020202020204" pitchFamily="34" charset="0"/>
+                  <a:cs typeface="Arial" panose="020B0604020202020204" pitchFamily="34" charset="0"/>
+                </a:endParaRPr>
+              </a:p>
+            </p:txBody>
+          </p:sp>
+          <p:cxnSp>
+            <p:nvCxnSpPr>
+              <p:cNvPr id="7" name="直線矢印コネクタ 6">
+                <a:extLst>
+                  <a:ext uri="{FF2B5EF4-FFF2-40B4-BE49-F238E27FC236}">
+                    <a16:creationId xmlns:a16="http://schemas.microsoft.com/office/drawing/2014/main" id="{5B523A23-B9D3-435C-8A3F-92FE1D8CC45C}"/>
+                  </a:ext>
+                </a:extLst>
+              </p:cNvPr>
+              <p:cNvCxnSpPr>
+                <a:cxnSpLocks/>
+                <a:stCxn id="6" idx="1"/>
+              </p:cNvCxnSpPr>
+              <p:nvPr/>
+            </p:nvCxnSpPr>
+            <p:spPr>
+              <a:xfrm flipH="1">
+                <a:off x="6366973" y="2073271"/>
+                <a:ext cx="517724" cy="384405"/>
+              </a:xfrm>
+              <a:prstGeom prst="straightConnector1">
+                <a:avLst/>
+              </a:prstGeom>
+              <a:ln w="12700">
+                <a:solidFill>
+                  <a:schemeClr val="tx1"/>
+                </a:solidFill>
+                <a:tailEnd type="oval"/>
+              </a:ln>
+            </p:spPr>
+            <p:style>
+              <a:lnRef idx="1">
+                <a:schemeClr val="accent1"/>
+              </a:lnRef>
+              <a:fillRef idx="0">
+                <a:schemeClr val="accent1"/>
+              </a:fillRef>
+              <a:effectRef idx="0">
+                <a:schemeClr val="accent1"/>
+              </a:effectRef>
+              <a:fontRef idx="minor">
+                <a:schemeClr val="tx1"/>
+              </a:fontRef>
+            </p:style>
+          </p:cxnSp>
+          <p:sp>
+            <p:nvSpPr>
+              <p:cNvPr id="8" name="テキスト ボックス 7">
+                <a:extLst>
+                  <a:ext uri="{FF2B5EF4-FFF2-40B4-BE49-F238E27FC236}">
+                    <a16:creationId xmlns:a16="http://schemas.microsoft.com/office/drawing/2014/main" id="{6C04ED83-2326-4D9B-BBE4-3278283B51B6}"/>
+                  </a:ext>
+                </a:extLst>
+              </p:cNvPr>
+              <p:cNvSpPr txBox="1"/>
+              <p:nvPr/>
+            </p:nvSpPr>
+            <p:spPr>
+              <a:xfrm>
+                <a:off x="6450533" y="5317069"/>
+                <a:ext cx="1974267" cy="763994"/>
+              </a:xfrm>
+              <a:prstGeom prst="rect">
+                <a:avLst/>
+              </a:prstGeom>
+              <a:solidFill>
+                <a:srgbClr val="92D050">
+                  <a:alpha val="40000"/>
+                </a:srgbClr>
+              </a:solidFill>
+              <a:ln>
+                <a:solidFill>
+                  <a:schemeClr val="tx1"/>
+                </a:solidFill>
+              </a:ln>
+            </p:spPr>
+            <p:txBody>
+              <a:bodyPr wrap="square" rtlCol="0">
+                <a:noAutofit/>
+              </a:bodyPr>
+              <a:lstStyle/>
+              <a:p>
+                <a:r>
+                  <a:rPr lang="en-US" altLang="ja-JP" sz="800" dirty="0">
+                    <a:latin typeface="Arial" panose="020B0604020202020204" pitchFamily="34" charset="0"/>
+                    <a:cs typeface="Arial" panose="020B0604020202020204" pitchFamily="34" charset="0"/>
+                  </a:rPr>
+                  <a:t>Expandable connector prepared for communication with internal variables which cannot be accessed by other ports, </a:t>
+                </a:r>
+              </a:p>
+              <a:p>
+                <a:r>
+                  <a:rPr lang="en-US" altLang="ja-JP" sz="800" dirty="0" err="1">
+                    <a:latin typeface="Arial" panose="020B0604020202020204" pitchFamily="34" charset="0"/>
+                    <a:cs typeface="Arial" panose="020B0604020202020204" pitchFamily="34" charset="0"/>
+                  </a:rPr>
+                  <a:t>input&amp;output</a:t>
+                </a:r>
+                <a:r>
+                  <a:rPr lang="en-US" altLang="ja-JP" sz="800" dirty="0">
+                    <a:latin typeface="Arial" panose="020B0604020202020204" pitchFamily="34" charset="0"/>
+                    <a:cs typeface="Arial" panose="020B0604020202020204" pitchFamily="34" charset="0"/>
+                  </a:rPr>
+                  <a:t>  (use “connect” operator)</a:t>
+                </a:r>
+                <a:endParaRPr lang="ja-JP" altLang="en-US" sz="800" dirty="0">
+                  <a:latin typeface="Arial" panose="020B0604020202020204" pitchFamily="34" charset="0"/>
+                  <a:cs typeface="Arial" panose="020B0604020202020204" pitchFamily="34" charset="0"/>
+                </a:endParaRPr>
+              </a:p>
+            </p:txBody>
+          </p:sp>
+          <p:cxnSp>
+            <p:nvCxnSpPr>
+              <p:cNvPr id="9" name="直線矢印コネクタ 8">
+                <a:extLst>
+                  <a:ext uri="{FF2B5EF4-FFF2-40B4-BE49-F238E27FC236}">
+                    <a16:creationId xmlns:a16="http://schemas.microsoft.com/office/drawing/2014/main" id="{09168E53-A97D-48E2-A2CF-997A5D56604B}"/>
+                  </a:ext>
+                </a:extLst>
+              </p:cNvPr>
+              <p:cNvCxnSpPr>
+                <a:cxnSpLocks/>
+                <a:stCxn id="8" idx="0"/>
+              </p:cNvCxnSpPr>
+              <p:nvPr/>
+            </p:nvCxnSpPr>
+            <p:spPr>
+              <a:xfrm flipH="1" flipV="1">
+                <a:off x="6013665" y="5101999"/>
+                <a:ext cx="1424002" cy="215070"/>
+              </a:xfrm>
+              <a:prstGeom prst="straightConnector1">
+                <a:avLst/>
+              </a:prstGeom>
+              <a:ln w="12700">
+                <a:solidFill>
+                  <a:schemeClr val="tx1"/>
+                </a:solidFill>
+                <a:tailEnd type="oval"/>
+              </a:ln>
+            </p:spPr>
+            <p:style>
+              <a:lnRef idx="1">
+                <a:schemeClr val="accent1"/>
+              </a:lnRef>
+              <a:fillRef idx="0">
+                <a:schemeClr val="accent1"/>
+              </a:fillRef>
+              <a:effectRef idx="0">
+                <a:schemeClr val="accent1"/>
+              </a:effectRef>
+              <a:fontRef idx="minor">
+                <a:schemeClr val="tx1"/>
+              </a:fontRef>
+            </p:style>
+          </p:cxnSp>
+          <p:sp>
+            <p:nvSpPr>
+              <p:cNvPr id="10" name="テキスト ボックス 9">
+                <a:extLst>
+                  <a:ext uri="{FF2B5EF4-FFF2-40B4-BE49-F238E27FC236}">
+                    <a16:creationId xmlns:a16="http://schemas.microsoft.com/office/drawing/2014/main" id="{7A20D893-B8EB-43DC-A308-3F5017C53E05}"/>
+                  </a:ext>
+                </a:extLst>
+              </p:cNvPr>
+              <p:cNvSpPr txBox="1"/>
+              <p:nvPr/>
+            </p:nvSpPr>
+            <p:spPr>
+              <a:xfrm>
+                <a:off x="7024151" y="3126330"/>
+                <a:ext cx="1500714" cy="639622"/>
+              </a:xfrm>
+              <a:prstGeom prst="rect">
+                <a:avLst/>
+              </a:prstGeom>
+              <a:solidFill>
+                <a:srgbClr val="92D050">
+                  <a:alpha val="40000"/>
+                </a:srgbClr>
+              </a:solidFill>
+              <a:ln>
+                <a:solidFill>
+                  <a:schemeClr val="tx1"/>
+                </a:solidFill>
+              </a:ln>
+            </p:spPr>
+            <p:txBody>
+              <a:bodyPr wrap="square" rtlCol="0">
+                <a:noAutofit/>
+              </a:bodyPr>
+              <a:lstStyle/>
+              <a:p>
+                <a:r>
+                  <a:rPr kumimoji="1" lang="en-US" altLang="ja-JP" sz="800" dirty="0">
+                    <a:latin typeface="Arial" panose="020B0604020202020204" pitchFamily="34" charset="0"/>
+                    <a:cs typeface="Arial" panose="020B0604020202020204" pitchFamily="34" charset="0"/>
+                  </a:rPr>
+                  <a:t>Flange (rotational mechanics port), </a:t>
+                </a:r>
+              </a:p>
+              <a:p>
+                <a:r>
+                  <a:rPr kumimoji="1" lang="en-US" altLang="ja-JP" sz="800" dirty="0" err="1">
+                    <a:latin typeface="Arial" panose="020B0604020202020204" pitchFamily="34" charset="0"/>
+                    <a:cs typeface="Arial" panose="020B0604020202020204" pitchFamily="34" charset="0"/>
+                  </a:rPr>
+                  <a:t>input&amp;output</a:t>
+                </a:r>
+                <a:r>
+                  <a:rPr kumimoji="1" lang="en-US" altLang="ja-JP" sz="800" dirty="0">
+                    <a:latin typeface="Arial" panose="020B0604020202020204" pitchFamily="34" charset="0"/>
+                    <a:cs typeface="Arial" panose="020B0604020202020204" pitchFamily="34" charset="0"/>
+                  </a:rPr>
+                  <a:t> (</a:t>
+                </a:r>
+                <a:r>
+                  <a:rPr lang="en-US" altLang="ja-JP" sz="800" dirty="0">
+                    <a:latin typeface="Arial" panose="020B0604020202020204" pitchFamily="34" charset="0"/>
+                    <a:cs typeface="Arial" panose="020B0604020202020204" pitchFamily="34" charset="0"/>
+                  </a:rPr>
+                  <a:t>use</a:t>
+                </a:r>
+                <a:r>
+                  <a:rPr kumimoji="1" lang="en-US" altLang="ja-JP" sz="800" dirty="0">
+                    <a:latin typeface="Arial" panose="020B0604020202020204" pitchFamily="34" charset="0"/>
+                    <a:cs typeface="Arial" panose="020B0604020202020204" pitchFamily="34" charset="0"/>
+                  </a:rPr>
+                  <a:t> “connect” operator)</a:t>
+                </a:r>
+                <a:endParaRPr kumimoji="1" lang="ja-JP" altLang="en-US" sz="800" dirty="0">
+                  <a:latin typeface="Arial" panose="020B0604020202020204" pitchFamily="34" charset="0"/>
+                  <a:cs typeface="Arial" panose="020B0604020202020204" pitchFamily="34" charset="0"/>
+                </a:endParaRPr>
+              </a:p>
+            </p:txBody>
+          </p:sp>
+          <p:cxnSp>
+            <p:nvCxnSpPr>
+              <p:cNvPr id="11" name="直線矢印コネクタ 10">
+                <a:extLst>
+                  <a:ext uri="{FF2B5EF4-FFF2-40B4-BE49-F238E27FC236}">
+                    <a16:creationId xmlns:a16="http://schemas.microsoft.com/office/drawing/2014/main" id="{0A7C4540-8070-4030-A79D-ACB8A8EEC91D}"/>
+                  </a:ext>
+                </a:extLst>
+              </p:cNvPr>
+              <p:cNvCxnSpPr>
+                <a:cxnSpLocks/>
+                <a:stCxn id="10" idx="1"/>
+              </p:cNvCxnSpPr>
+              <p:nvPr/>
+            </p:nvCxnSpPr>
+            <p:spPr>
+              <a:xfrm flipH="1">
+                <a:off x="6450533" y="3446141"/>
+                <a:ext cx="573618" cy="201637"/>
+              </a:xfrm>
+              <a:prstGeom prst="straightConnector1">
+                <a:avLst/>
+              </a:prstGeom>
+              <a:ln w="12700">
+                <a:solidFill>
+                  <a:schemeClr val="tx1"/>
+                </a:solidFill>
+                <a:tailEnd type="oval"/>
+              </a:ln>
+            </p:spPr>
+            <p:style>
+              <a:lnRef idx="1">
+                <a:schemeClr val="accent1"/>
+              </a:lnRef>
+              <a:fillRef idx="0">
+                <a:schemeClr val="accent1"/>
+              </a:fillRef>
+              <a:effectRef idx="0">
+                <a:schemeClr val="accent1"/>
+              </a:effectRef>
+              <a:fontRef idx="minor">
+                <a:schemeClr val="tx1"/>
+              </a:fontRef>
+            </p:style>
+          </p:cxnSp>
+          <p:sp>
+            <p:nvSpPr>
+              <p:cNvPr id="12" name="テキスト ボックス 11">
+                <a:extLst>
+                  <a:ext uri="{FF2B5EF4-FFF2-40B4-BE49-F238E27FC236}">
+                    <a16:creationId xmlns:a16="http://schemas.microsoft.com/office/drawing/2014/main" id="{1581746F-4AF0-433A-A6CE-813F5926C2D9}"/>
+                  </a:ext>
+                </a:extLst>
+              </p:cNvPr>
+              <p:cNvSpPr txBox="1"/>
+              <p:nvPr/>
+            </p:nvSpPr>
+            <p:spPr>
+              <a:xfrm>
+                <a:off x="1602253" y="2931751"/>
+                <a:ext cx="1500714" cy="639622"/>
+              </a:xfrm>
+              <a:prstGeom prst="rect">
+                <a:avLst/>
+              </a:prstGeom>
+              <a:solidFill>
+                <a:srgbClr val="92D050">
+                  <a:alpha val="40000"/>
+                </a:srgbClr>
+              </a:solidFill>
+              <a:ln>
+                <a:solidFill>
+                  <a:schemeClr val="tx1"/>
+                </a:solidFill>
+              </a:ln>
+            </p:spPr>
+            <p:txBody>
+              <a:bodyPr wrap="square" rtlCol="0">
+                <a:noAutofit/>
+              </a:bodyPr>
+              <a:lstStyle/>
+              <a:p>
+                <a:r>
+                  <a:rPr kumimoji="1" lang="en-US" altLang="ja-JP" sz="800" dirty="0">
+                    <a:latin typeface="Arial" panose="020B0604020202020204" pitchFamily="34" charset="0"/>
+                    <a:cs typeface="Arial" panose="020B0604020202020204" pitchFamily="34" charset="0"/>
+                  </a:rPr>
+                  <a:t>Flange (rotational mechanics port), </a:t>
+                </a:r>
+              </a:p>
+              <a:p>
+                <a:r>
+                  <a:rPr kumimoji="1" lang="en-US" altLang="ja-JP" sz="800" dirty="0" err="1">
+                    <a:latin typeface="Arial" panose="020B0604020202020204" pitchFamily="34" charset="0"/>
+                    <a:cs typeface="Arial" panose="020B0604020202020204" pitchFamily="34" charset="0"/>
+                  </a:rPr>
+                  <a:t>input&amp;output</a:t>
+                </a:r>
+                <a:r>
+                  <a:rPr kumimoji="1" lang="en-US" altLang="ja-JP" sz="800" dirty="0">
+                    <a:latin typeface="Arial" panose="020B0604020202020204" pitchFamily="34" charset="0"/>
+                    <a:cs typeface="Arial" panose="020B0604020202020204" pitchFamily="34" charset="0"/>
+                  </a:rPr>
+                  <a:t> (</a:t>
+                </a:r>
+                <a:r>
+                  <a:rPr lang="en-US" altLang="ja-JP" sz="800" dirty="0">
+                    <a:latin typeface="Arial" panose="020B0604020202020204" pitchFamily="34" charset="0"/>
+                    <a:cs typeface="Arial" panose="020B0604020202020204" pitchFamily="34" charset="0"/>
+                  </a:rPr>
+                  <a:t>use</a:t>
+                </a:r>
+                <a:r>
+                  <a:rPr kumimoji="1" lang="en-US" altLang="ja-JP" sz="800" dirty="0">
+                    <a:latin typeface="Arial" panose="020B0604020202020204" pitchFamily="34" charset="0"/>
+                    <a:cs typeface="Arial" panose="020B0604020202020204" pitchFamily="34" charset="0"/>
+                  </a:rPr>
+                  <a:t> “connect” operator)</a:t>
+                </a:r>
+                <a:endParaRPr kumimoji="1" lang="ja-JP" altLang="en-US" sz="800" dirty="0">
+                  <a:latin typeface="Arial" panose="020B0604020202020204" pitchFamily="34" charset="0"/>
+                  <a:cs typeface="Arial" panose="020B0604020202020204" pitchFamily="34" charset="0"/>
+                </a:endParaRPr>
+              </a:p>
+            </p:txBody>
+          </p:sp>
+          <p:cxnSp>
+            <p:nvCxnSpPr>
+              <p:cNvPr id="13" name="直線矢印コネクタ 12">
+                <a:extLst>
+                  <a:ext uri="{FF2B5EF4-FFF2-40B4-BE49-F238E27FC236}">
+                    <a16:creationId xmlns:a16="http://schemas.microsoft.com/office/drawing/2014/main" id="{906A7FA8-21A4-44F5-B61A-E1259A89BC8C}"/>
+                  </a:ext>
+                </a:extLst>
+              </p:cNvPr>
+              <p:cNvCxnSpPr>
+                <a:cxnSpLocks/>
+                <a:stCxn id="12" idx="3"/>
+              </p:cNvCxnSpPr>
+              <p:nvPr/>
+            </p:nvCxnSpPr>
+            <p:spPr>
+              <a:xfrm>
+                <a:off x="3102967" y="3251562"/>
+                <a:ext cx="432861" cy="319811"/>
+              </a:xfrm>
+              <a:prstGeom prst="straightConnector1">
+                <a:avLst/>
+              </a:prstGeom>
+              <a:ln w="12700">
+                <a:solidFill>
+                  <a:schemeClr val="tx1"/>
+                </a:solidFill>
+                <a:tailEnd type="oval"/>
+              </a:ln>
+            </p:spPr>
+            <p:style>
+              <a:lnRef idx="1">
+                <a:schemeClr val="accent1"/>
+              </a:lnRef>
+              <a:fillRef idx="0">
+                <a:schemeClr val="accent1"/>
+              </a:fillRef>
+              <a:effectRef idx="0">
+                <a:schemeClr val="accent1"/>
+              </a:effectRef>
+              <a:fontRef idx="minor">
+                <a:schemeClr val="tx1"/>
+              </a:fontRef>
+            </p:style>
+          </p:cxnSp>
+          <p:cxnSp>
+            <p:nvCxnSpPr>
+              <p:cNvPr id="14" name="直線矢印コネクタ 13">
+                <a:extLst>
+                  <a:ext uri="{FF2B5EF4-FFF2-40B4-BE49-F238E27FC236}">
+                    <a16:creationId xmlns:a16="http://schemas.microsoft.com/office/drawing/2014/main" id="{354401C8-27C6-428A-87DF-F0E1832BBCD4}"/>
+                  </a:ext>
+                </a:extLst>
+              </p:cNvPr>
+              <p:cNvCxnSpPr>
+                <a:cxnSpLocks/>
+                <a:stCxn id="15" idx="3"/>
+              </p:cNvCxnSpPr>
+              <p:nvPr/>
+            </p:nvCxnSpPr>
+            <p:spPr>
+              <a:xfrm flipV="1">
+                <a:off x="3846183" y="4191000"/>
+                <a:ext cx="564950" cy="1392443"/>
+              </a:xfrm>
+              <a:prstGeom prst="straightConnector1">
+                <a:avLst/>
+              </a:prstGeom>
+              <a:ln w="12700">
+                <a:solidFill>
+                  <a:schemeClr val="tx1"/>
+                </a:solidFill>
+                <a:tailEnd type="oval"/>
+              </a:ln>
+            </p:spPr>
+            <p:style>
+              <a:lnRef idx="1">
+                <a:schemeClr val="accent1"/>
+              </a:lnRef>
+              <a:fillRef idx="0">
+                <a:schemeClr val="accent1"/>
+              </a:fillRef>
+              <a:effectRef idx="0">
+                <a:schemeClr val="accent1"/>
+              </a:effectRef>
+              <a:fontRef idx="minor">
+                <a:schemeClr val="tx1"/>
+              </a:fontRef>
+            </p:style>
+          </p:cxnSp>
+          <p:sp>
+            <p:nvSpPr>
+              <p:cNvPr id="15" name="テキスト ボックス 14">
+                <a:extLst>
+                  <a:ext uri="{FF2B5EF4-FFF2-40B4-BE49-F238E27FC236}">
+                    <a16:creationId xmlns:a16="http://schemas.microsoft.com/office/drawing/2014/main" id="{F02DAE39-3700-4FDF-B309-F0FE7C150727}"/>
+                  </a:ext>
+                </a:extLst>
+              </p:cNvPr>
+              <p:cNvSpPr txBox="1"/>
+              <p:nvPr/>
+            </p:nvSpPr>
+            <p:spPr>
+              <a:xfrm>
+                <a:off x="1871916" y="5284527"/>
+                <a:ext cx="1974267" cy="597831"/>
+              </a:xfrm>
+              <a:prstGeom prst="rect">
+                <a:avLst/>
+              </a:prstGeom>
+              <a:solidFill>
+                <a:srgbClr val="00B0F0">
+                  <a:alpha val="40000"/>
+                </a:srgbClr>
+              </a:solidFill>
+              <a:ln>
+                <a:solidFill>
+                  <a:schemeClr val="tx1"/>
+                </a:solidFill>
+              </a:ln>
+            </p:spPr>
+            <p:txBody>
+              <a:bodyPr wrap="square" rtlCol="0">
+                <a:noAutofit/>
+              </a:bodyPr>
+              <a:lstStyle/>
+              <a:p>
+                <a:r>
+                  <a:rPr lang="en-US" altLang="ja-JP" sz="800" dirty="0">
+                    <a:latin typeface="Arial" panose="020B0604020202020204" pitchFamily="34" charset="0"/>
+                    <a:cs typeface="Arial" panose="020B0604020202020204" pitchFamily="34" charset="0"/>
+                  </a:rPr>
+                  <a:t>Pressure ratio; </a:t>
+                </a:r>
+              </a:p>
+              <a:p>
+                <a:r>
+                  <a:rPr lang="en-US" altLang="ja-JP" sz="800" dirty="0">
+                    <a:latin typeface="Arial" panose="020B0604020202020204" pitchFamily="34" charset="0"/>
+                    <a:cs typeface="Arial" panose="020B0604020202020204" pitchFamily="34" charset="0"/>
+                  </a:rPr>
+                  <a:t>input (use “connect” operator),</a:t>
+                </a:r>
+              </a:p>
+              <a:p>
+                <a:r>
+                  <a:rPr lang="en-US" altLang="ja-JP" sz="800" dirty="0">
+                    <a:latin typeface="Arial" panose="020B0604020202020204" pitchFamily="34" charset="0"/>
+                    <a:cs typeface="Arial" panose="020B0604020202020204" pitchFamily="34" charset="0"/>
+                  </a:rPr>
+                  <a:t>valid only when </a:t>
+                </a:r>
+                <a:r>
+                  <a:rPr lang="en-US" altLang="ja-JP" sz="800" dirty="0" err="1">
+                    <a:latin typeface="Arial" panose="020B0604020202020204" pitchFamily="34" charset="0"/>
+                    <a:cs typeface="Arial" panose="020B0604020202020204" pitchFamily="34" charset="0"/>
+                  </a:rPr>
+                  <a:t>switchDetermine_PR</a:t>
+                </a:r>
+                <a:r>
+                  <a:rPr lang="en-US" altLang="ja-JP" sz="800" dirty="0">
+                    <a:latin typeface="Arial" panose="020B0604020202020204" pitchFamily="34" charset="0"/>
+                    <a:cs typeface="Arial" panose="020B0604020202020204" pitchFamily="34" charset="0"/>
+                  </a:rPr>
+                  <a:t>==</a:t>
+                </a:r>
+                <a:r>
+                  <a:rPr lang="en-US" altLang="ja-JP" sz="800" dirty="0" err="1">
+                    <a:latin typeface="Arial" panose="020B0604020202020204" pitchFamily="34" charset="0"/>
+                    <a:cs typeface="Arial" panose="020B0604020202020204" pitchFamily="34" charset="0"/>
+                  </a:rPr>
+                  <a:t>viaRealInput</a:t>
+                </a:r>
+                <a:endParaRPr lang="ja-JP" altLang="en-US" sz="800" dirty="0">
+                  <a:latin typeface="Arial" panose="020B0604020202020204" pitchFamily="34" charset="0"/>
+                  <a:cs typeface="Arial" panose="020B0604020202020204" pitchFamily="34" charset="0"/>
+                </a:endParaRPr>
+              </a:p>
+            </p:txBody>
+          </p:sp>
+          <p:sp>
+            <p:nvSpPr>
+              <p:cNvPr id="16" name="テキスト ボックス 15">
+                <a:extLst>
+                  <a:ext uri="{FF2B5EF4-FFF2-40B4-BE49-F238E27FC236}">
+                    <a16:creationId xmlns:a16="http://schemas.microsoft.com/office/drawing/2014/main" id="{5738EDE8-B4FF-43D8-8BFF-4114D99781C7}"/>
+                  </a:ext>
+                </a:extLst>
+              </p:cNvPr>
+              <p:cNvSpPr txBox="1"/>
+              <p:nvPr/>
+            </p:nvSpPr>
+            <p:spPr>
+              <a:xfrm>
+                <a:off x="4226874" y="5317069"/>
+                <a:ext cx="1849118" cy="597830"/>
+              </a:xfrm>
+              <a:prstGeom prst="rect">
+                <a:avLst/>
+              </a:prstGeom>
+              <a:solidFill>
+                <a:srgbClr val="00B0F0">
+                  <a:alpha val="40000"/>
+                </a:srgbClr>
+              </a:solidFill>
+              <a:ln>
+                <a:solidFill>
+                  <a:schemeClr val="tx1"/>
+                </a:solidFill>
+              </a:ln>
+            </p:spPr>
+            <p:txBody>
+              <a:bodyPr wrap="square" rtlCol="0">
+                <a:noAutofit/>
+              </a:bodyPr>
+              <a:lstStyle/>
+              <a:p>
+                <a:r>
+                  <a:rPr lang="en-US" altLang="ja-JP" sz="800" dirty="0">
+                    <a:latin typeface="Arial" panose="020B0604020202020204" pitchFamily="34" charset="0"/>
+                    <a:cs typeface="Arial" panose="020B0604020202020204" pitchFamily="34" charset="0"/>
+                  </a:rPr>
+                  <a:t>Efficiency; </a:t>
+                </a:r>
+              </a:p>
+              <a:p>
+                <a:r>
+                  <a:rPr lang="en-US" altLang="ja-JP" sz="800" dirty="0">
+                    <a:latin typeface="Arial" panose="020B0604020202020204" pitchFamily="34" charset="0"/>
+                    <a:cs typeface="Arial" panose="020B0604020202020204" pitchFamily="34" charset="0"/>
+                  </a:rPr>
+                  <a:t>input (use “connect” operator),</a:t>
+                </a:r>
+              </a:p>
+              <a:p>
+                <a:r>
+                  <a:rPr lang="en-US" altLang="ja-JP" sz="800" dirty="0">
+                    <a:latin typeface="Arial" panose="020B0604020202020204" pitchFamily="34" charset="0"/>
+                    <a:cs typeface="Arial" panose="020B0604020202020204" pitchFamily="34" charset="0"/>
+                  </a:rPr>
+                  <a:t>valid only when </a:t>
+                </a:r>
+                <a:r>
+                  <a:rPr lang="en-US" altLang="ja-JP" sz="800" dirty="0" err="1">
+                    <a:latin typeface="Arial" panose="020B0604020202020204" pitchFamily="34" charset="0"/>
+                    <a:cs typeface="Arial" panose="020B0604020202020204" pitchFamily="34" charset="0"/>
+                  </a:rPr>
+                  <a:t>switchDetermine_eff</a:t>
+                </a:r>
+                <a:r>
+                  <a:rPr lang="en-US" altLang="ja-JP" sz="800" dirty="0">
+                    <a:latin typeface="Arial" panose="020B0604020202020204" pitchFamily="34" charset="0"/>
+                    <a:cs typeface="Arial" panose="020B0604020202020204" pitchFamily="34" charset="0"/>
+                  </a:rPr>
+                  <a:t>==</a:t>
+                </a:r>
+                <a:r>
+                  <a:rPr lang="en-US" altLang="ja-JP" sz="800" dirty="0" err="1">
+                    <a:latin typeface="Arial" panose="020B0604020202020204" pitchFamily="34" charset="0"/>
+                    <a:cs typeface="Arial" panose="020B0604020202020204" pitchFamily="34" charset="0"/>
+                  </a:rPr>
+                  <a:t>viaRealInput</a:t>
+                </a:r>
+                <a:endParaRPr lang="ja-JP" altLang="en-US" sz="800" dirty="0">
+                  <a:latin typeface="Arial" panose="020B0604020202020204" pitchFamily="34" charset="0"/>
+                  <a:cs typeface="Arial" panose="020B0604020202020204" pitchFamily="34" charset="0"/>
+                </a:endParaRPr>
+              </a:p>
+            </p:txBody>
+          </p:sp>
+          <p:cxnSp>
+            <p:nvCxnSpPr>
+              <p:cNvPr id="17" name="直線矢印コネクタ 16">
+                <a:extLst>
+                  <a:ext uri="{FF2B5EF4-FFF2-40B4-BE49-F238E27FC236}">
+                    <a16:creationId xmlns:a16="http://schemas.microsoft.com/office/drawing/2014/main" id="{CAD779F6-D00B-4E3C-806E-7A00E2DB71CD}"/>
+                  </a:ext>
+                </a:extLst>
+              </p:cNvPr>
+              <p:cNvCxnSpPr>
+                <a:cxnSpLocks/>
+                <a:stCxn id="16" idx="0"/>
+              </p:cNvCxnSpPr>
+              <p:nvPr/>
+            </p:nvCxnSpPr>
+            <p:spPr>
+              <a:xfrm flipH="1" flipV="1">
+                <a:off x="4985181" y="4487333"/>
+                <a:ext cx="166252" cy="829736"/>
+              </a:xfrm>
+              <a:prstGeom prst="straightConnector1">
+                <a:avLst/>
+              </a:prstGeom>
+              <a:ln w="12700">
+                <a:solidFill>
+                  <a:schemeClr val="tx1"/>
+                </a:solidFill>
+                <a:tailEnd type="oval"/>
+              </a:ln>
+            </p:spPr>
+            <p:style>
+              <a:lnRef idx="1">
+                <a:schemeClr val="accent1"/>
+              </a:lnRef>
+              <a:fillRef idx="0">
+                <a:schemeClr val="accent1"/>
+              </a:fillRef>
+              <a:effectRef idx="0">
+                <a:schemeClr val="accent1"/>
+              </a:effectRef>
+              <a:fontRef idx="minor">
+                <a:schemeClr val="tx1"/>
+              </a:fontRef>
+            </p:style>
+          </p:cxnSp>
+        </p:grpSp>
+      </p:grpSp>
+    </p:spTree>
+    <p:extLst>
+      <p:ext uri="{BB962C8B-B14F-4D97-AF65-F5344CB8AC3E}">
+        <p14:creationId xmlns:p14="http://schemas.microsoft.com/office/powerpoint/2010/main" val="4027594903"/>
+      </p:ext>
+    </p:extLst>
+  </p:cSld>
+  <p:clrMapOvr>
+    <a:masterClrMapping/>
+  </p:clrMapOvr>
+</p:sld>
+</file>
+
+<file path=ppt/slides/slide15.xml><?xml version="1.0" encoding="utf-8"?>
+<p:sld xmlns:a="http://schemas.openxmlformats.org/drawingml/2006/main" xmlns:r="http://schemas.openxmlformats.org/officeDocument/2006/relationships" xmlns:p="http://schemas.openxmlformats.org/presentationml/2006/main">
+  <p:cSld>
+    <p:spTree>
+      <p:nvGrpSpPr>
+        <p:cNvPr id="1" name=""/>
+        <p:cNvGrpSpPr/>
+        <p:nvPr/>
+      </p:nvGrpSpPr>
+      <p:grpSpPr>
+        <a:xfrm>
+          <a:off x="0" y="0"/>
+          <a:ext cx="0" cy="0"/>
+          <a:chOff x="0" y="0"/>
+          <a:chExt cx="0" cy="0"/>
+        </a:xfrm>
+      </p:grpSpPr>
+      <p:pic>
+        <p:nvPicPr>
+          <p:cNvPr id="2" name="図 1">
+            <a:extLst>
+              <a:ext uri="{FF2B5EF4-FFF2-40B4-BE49-F238E27FC236}">
+                <a16:creationId xmlns:a16="http://schemas.microsoft.com/office/drawing/2014/main" id="{C54C63C6-C843-4D2D-BE4F-C313AD7F33FE}"/>
+              </a:ext>
+            </a:extLst>
+          </p:cNvPr>
+          <p:cNvPicPr>
+            <a:picLocks noChangeAspect="1"/>
+          </p:cNvPicPr>
+          <p:nvPr/>
+        </p:nvPicPr>
+        <p:blipFill>
+          <a:blip r:embed="rId2"/>
+          <a:stretch>
+            <a:fillRect/>
+          </a:stretch>
+        </p:blipFill>
+        <p:spPr>
+          <a:xfrm>
+            <a:off x="0" y="0"/>
+            <a:ext cx="4572286" cy="5523953"/>
+          </a:xfrm>
+          <a:prstGeom prst="rect">
+            <a:avLst/>
+          </a:prstGeom>
+        </p:spPr>
+      </p:pic>
+      <p:pic>
+        <p:nvPicPr>
+          <p:cNvPr id="3" name="図 2">
+            <a:extLst>
+              <a:ext uri="{FF2B5EF4-FFF2-40B4-BE49-F238E27FC236}">
+                <a16:creationId xmlns:a16="http://schemas.microsoft.com/office/drawing/2014/main" id="{53E89EA9-D835-4518-957C-05917C764745}"/>
+              </a:ext>
+            </a:extLst>
+          </p:cNvPr>
+          <p:cNvPicPr>
+            <a:picLocks noChangeAspect="1"/>
+          </p:cNvPicPr>
+          <p:nvPr/>
+        </p:nvPicPr>
+        <p:blipFill>
+          <a:blip r:embed="rId3"/>
+          <a:stretch>
+            <a:fillRect/>
+          </a:stretch>
+        </p:blipFill>
+        <p:spPr>
+          <a:xfrm>
+            <a:off x="4803245" y="2622463"/>
+            <a:ext cx="5151873" cy="4937212"/>
+          </a:xfrm>
+          <a:prstGeom prst="rect">
+            <a:avLst/>
+          </a:prstGeom>
+        </p:spPr>
+      </p:pic>
+    </p:spTree>
+    <p:extLst>
+      <p:ext uri="{BB962C8B-B14F-4D97-AF65-F5344CB8AC3E}">
+        <p14:creationId xmlns:p14="http://schemas.microsoft.com/office/powerpoint/2010/main" val="2227363572"/>
+      </p:ext>
+    </p:extLst>
+  </p:cSld>
+  <p:clrMapOvr>
+    <a:masterClrMapping/>
+  </p:clrMapOvr>
+</p:sld>
+</file>
+
+<file path=ppt/slides/slide16.xml><?xml version="1.0" encoding="utf-8"?>
+<p:sld xmlns:a="http://schemas.openxmlformats.org/drawingml/2006/main" xmlns:r="http://schemas.openxmlformats.org/officeDocument/2006/relationships" xmlns:p="http://schemas.openxmlformats.org/presentationml/2006/main">
+  <p:cSld>
+    <p:spTree>
+      <p:nvGrpSpPr>
+        <p:cNvPr id="1" name=""/>
+        <p:cNvGrpSpPr/>
+        <p:nvPr/>
+      </p:nvGrpSpPr>
+      <p:grpSpPr>
+        <a:xfrm>
+          <a:off x="0" y="0"/>
+          <a:ext cx="0" cy="0"/>
+          <a:chOff x="0" y="0"/>
+          <a:chExt cx="0" cy="0"/>
+        </a:xfrm>
+      </p:grpSpPr>
+    </p:spTree>
+    <p:extLst>
+      <p:ext uri="{BB962C8B-B14F-4D97-AF65-F5344CB8AC3E}">
+        <p14:creationId xmlns:p14="http://schemas.microsoft.com/office/powerpoint/2010/main" val="3531094758"/>
+      </p:ext>
+    </p:extLst>
+  </p:cSld>
+  <p:clrMapOvr>
+    <a:masterClrMapping/>
+  </p:clrMapOvr>
+</p:sld>
+</file>
+
+<file path=ppt/slides/slide17.xml><?xml version="1.0" encoding="utf-8"?>
+<p:sld xmlns:a="http://schemas.openxmlformats.org/drawingml/2006/main" xmlns:r="http://schemas.openxmlformats.org/officeDocument/2006/relationships" xmlns:p="http://schemas.openxmlformats.org/presentationml/2006/main">
+  <p:cSld>
+    <p:spTree>
+      <p:nvGrpSpPr>
+        <p:cNvPr id="1" name=""/>
+        <p:cNvGrpSpPr/>
+        <p:nvPr/>
+      </p:nvGrpSpPr>
+      <p:grpSpPr>
+        <a:xfrm>
+          <a:off x="0" y="0"/>
+          <a:ext cx="0" cy="0"/>
+          <a:chOff x="0" y="0"/>
+          <a:chExt cx="0" cy="0"/>
+        </a:xfrm>
+      </p:grpSpPr>
+    </p:spTree>
+    <p:extLst>
+      <p:ext uri="{BB962C8B-B14F-4D97-AF65-F5344CB8AC3E}">
+        <p14:creationId xmlns:p14="http://schemas.microsoft.com/office/powerpoint/2010/main" val="555191794"/>
+      </p:ext>
+    </p:extLst>
+  </p:cSld>
+  <p:clrMapOvr>
+    <a:masterClrMapping/>
+  </p:clrMapOvr>
+</p:sld>
+</file>
+
+<file path=ppt/slides/slide18.xml><?xml version="1.0" encoding="utf-8"?>
+<p:sld xmlns:a="http://schemas.openxmlformats.org/drawingml/2006/main" xmlns:r="http://schemas.openxmlformats.org/officeDocument/2006/relationships" xmlns:p="http://schemas.openxmlformats.org/presentationml/2006/main">
+  <p:cSld>
+    <p:spTree>
+      <p:nvGrpSpPr>
+        <p:cNvPr id="1" name=""/>
+        <p:cNvGrpSpPr/>
+        <p:nvPr/>
+      </p:nvGrpSpPr>
+      <p:grpSpPr>
+        <a:xfrm>
+          <a:off x="0" y="0"/>
+          <a:ext cx="0" cy="0"/>
+          <a:chOff x="0" y="0"/>
+          <a:chExt cx="0" cy="0"/>
+        </a:xfrm>
+      </p:grpSpPr>
+    </p:spTree>
+    <p:extLst>
+      <p:ext uri="{BB962C8B-B14F-4D97-AF65-F5344CB8AC3E}">
+        <p14:creationId xmlns:p14="http://schemas.microsoft.com/office/powerpoint/2010/main" val="312784149"/>
+      </p:ext>
+    </p:extLst>
+  </p:cSld>
+  <p:clrMapOvr>
+    <a:masterClrMapping/>
+  </p:clrMapOvr>
+</p:sld>
+</file>
+
+<file path=ppt/slides/slide19.xml><?xml version="1.0" encoding="utf-8"?>
+<p:sld xmlns:a="http://schemas.openxmlformats.org/drawingml/2006/main" xmlns:r="http://schemas.openxmlformats.org/officeDocument/2006/relationships" xmlns:p="http://schemas.openxmlformats.org/presentationml/2006/main">
+  <p:cSld>
+    <p:spTree>
+      <p:nvGrpSpPr>
+        <p:cNvPr id="1" name=""/>
+        <p:cNvGrpSpPr/>
+        <p:nvPr/>
+      </p:nvGrpSpPr>
+      <p:grpSpPr>
+        <a:xfrm>
+          <a:off x="0" y="0"/>
+          <a:ext cx="0" cy="0"/>
+          <a:chOff x="0" y="0"/>
+          <a:chExt cx="0" cy="0"/>
+        </a:xfrm>
+      </p:grpSpPr>
+    </p:spTree>
+    <p:extLst>
+      <p:ext uri="{BB962C8B-B14F-4D97-AF65-F5344CB8AC3E}">
+        <p14:creationId xmlns:p14="http://schemas.microsoft.com/office/powerpoint/2010/main" val="794268170"/>
       </p:ext>
     </p:extLst>
   </p:cSld>
